--- a/转正答辩/预备党员答辩.pptx
+++ b/转正答辩/预备党员答辩.pptx
@@ -6,7 +6,7 @@
     <p:sldMasterId id="2147483660" r:id="rId2"/>
   </p:sldMasterIdLst>
   <p:notesMasterIdLst>
-    <p:notesMasterId r:id="rId14"/>
+    <p:notesMasterId r:id="rId13"/>
   </p:notesMasterIdLst>
   <p:sldIdLst>
     <p:sldId id="256" r:id="rId3"/>
@@ -17,9 +17,8 @@
     <p:sldId id="407" r:id="rId8"/>
     <p:sldId id="408" r:id="rId9"/>
     <p:sldId id="411" r:id="rId10"/>
-    <p:sldId id="410" r:id="rId11"/>
-    <p:sldId id="409" r:id="rId12"/>
-    <p:sldId id="405" r:id="rId13"/>
+    <p:sldId id="409" r:id="rId11"/>
+    <p:sldId id="405" r:id="rId12"/>
   </p:sldIdLst>
   <p:sldSz cx="9144000" cy="6858000" type="screen4x3"/>
   <p:notesSz cx="6858000" cy="9144000"/>
@@ -167,8 +166,12 @@
 </p:presentation>
 </file>
 
+<file path=ppt/revisionInfo.xml><?xml version="1.0" encoding="utf-8"?>
+<p1510:revInfo xmlns:a="http://schemas.openxmlformats.org/drawingml/2006/main" xmlns:r="http://schemas.openxmlformats.org/officeDocument/2006/relationships" xmlns:p1510="http://schemas.microsoft.com/office/powerpoint/2015/10/main"/>
+</file>
+
 <file path=ppt/charts/chart1.xml><?xml version="1.0" encoding="utf-8"?>
-<c:chartSpace xmlns:c="http://schemas.openxmlformats.org/drawingml/2006/chart" xmlns:a="http://schemas.openxmlformats.org/drawingml/2006/main" xmlns:r="http://schemas.openxmlformats.org/officeDocument/2006/relationships">
+<c:chartSpace xmlns:c="http://schemas.openxmlformats.org/drawingml/2006/chart" xmlns:a="http://schemas.openxmlformats.org/drawingml/2006/main" xmlns:r="http://schemas.openxmlformats.org/officeDocument/2006/relationships" xmlns:c16r2="http://schemas.microsoft.com/office/drawing/2015/06/chart">
   <c:date1904 val="0"/>
   <c:lang val="zh-CN"/>
   <c:roundedCorners val="0"/>
@@ -208,20 +211,22 @@
               <a:t>大一至大</a:t>
             </a:r>
             <a:r>
-              <a:rPr lang="zh-CN" sz="1800" dirty="0" smtClean="0">
+              <a:rPr lang="zh-CN" altLang="en-US" sz="1800" dirty="0">
                 <a:latin typeface="微软雅黑" panose="020B0503020204020204" pitchFamily="34" charset="-122"/>
                 <a:ea typeface="微软雅黑" panose="020B0503020204020204" pitchFamily="34" charset="-122"/>
               </a:rPr>
-              <a:t>二成绩</a:t>
-            </a:r>
-            <a:endParaRPr lang="zh-CN" sz="1800" dirty="0">
-              <a:latin typeface="微软雅黑" panose="020B0503020204020204" pitchFamily="34" charset="-122"/>
-              <a:ea typeface="微软雅黑" panose="020B0503020204020204" pitchFamily="34" charset="-122"/>
-            </a:endParaRPr>
+              <a:t>四</a:t>
+            </a:r>
+            <a:r>
+              <a:rPr lang="zh-CN" sz="1800" dirty="0">
+                <a:latin typeface="微软雅黑" panose="020B0503020204020204" pitchFamily="34" charset="-122"/>
+                <a:ea typeface="微软雅黑" panose="020B0503020204020204" pitchFamily="34" charset="-122"/>
+              </a:rPr>
+              <a:t>成绩</a:t>
+            </a:r>
           </a:p>
         </c:rich>
       </c:tx>
-      <c:layout/>
       <c:overlay val="0"/>
       <c:spPr>
         <a:noFill/>
@@ -323,7 +328,6 @@
             <c:showLeaderLines val="0"/>
             <c:extLst>
               <c:ext xmlns:c15="http://schemas.microsoft.com/office/drawing/2012/chart" uri="{CE6537A1-D6FC-4f65-9D91-7224C49458BB}">
-                <c15:layout/>
                 <c15:showLeaderLines val="1"/>
                 <c15:leaderLines>
                   <c:spPr>
@@ -348,16 +352,16 @@
               <c:strCache>
                 <c:ptCount val="4"/>
                 <c:pt idx="0">
-                  <c:v>大一上</c:v>
+                  <c:v>大一</c:v>
                 </c:pt>
                 <c:pt idx="1">
-                  <c:v>大一下</c:v>
+                  <c:v>大二</c:v>
                 </c:pt>
                 <c:pt idx="2">
-                  <c:v>大二上</c:v>
+                  <c:v>大三</c:v>
                 </c:pt>
                 <c:pt idx="3">
-                  <c:v>大二下</c:v>
+                  <c:v>大四</c:v>
                 </c:pt>
               </c:strCache>
             </c:strRef>
@@ -369,21 +373,26 @@
                 <c:formatCode>General</c:formatCode>
                 <c:ptCount val="4"/>
                 <c:pt idx="0">
-                  <c:v>3.28</c:v>
+                  <c:v>3.24</c:v>
                 </c:pt>
                 <c:pt idx="1">
                   <c:v>3.38</c:v>
                 </c:pt>
                 <c:pt idx="2">
-                  <c:v>3.42</c:v>
+                  <c:v>3.5</c:v>
                 </c:pt>
                 <c:pt idx="3">
-                  <c:v>3.47</c:v>
+                  <c:v>3.64</c:v>
                 </c:pt>
               </c:numCache>
             </c:numRef>
           </c:val>
           <c:smooth val="0"/>
+          <c:extLst>
+            <c:ext xmlns:c16="http://schemas.microsoft.com/office/drawing/2014/chart" uri="{C3380CC4-5D6E-409C-BE32-E72D297353CC}">
+              <c16:uniqueId val="{00000000-5A8B-4E45-974E-CCADFECEEBED}"/>
+            </c:ext>
+          </c:extLst>
         </c:ser>
         <c:dLbls>
           <c:showLegendKey val="0"/>
@@ -557,7 +566,6 @@
     </c:plotArea>
     <c:legend>
       <c:legendPos val="b"/>
-      <c:layout/>
       <c:overlay val="0"/>
       <c:spPr>
         <a:noFill/>
@@ -623,7 +631,7 @@
 </file>
 
 <file path=ppt/charts/chart2.xml><?xml version="1.0" encoding="utf-8"?>
-<c:chartSpace xmlns:c="http://schemas.openxmlformats.org/drawingml/2006/chart" xmlns:a="http://schemas.openxmlformats.org/drawingml/2006/main" xmlns:r="http://schemas.openxmlformats.org/officeDocument/2006/relationships">
+<c:chartSpace xmlns:c="http://schemas.openxmlformats.org/drawingml/2006/chart" xmlns:a="http://schemas.openxmlformats.org/drawingml/2006/main" xmlns:r="http://schemas.openxmlformats.org/officeDocument/2006/relationships" xmlns:c16r2="http://schemas.microsoft.com/office/drawing/2015/06/chart">
   <c:date1904 val="0"/>
   <c:lang val="zh-CN"/>
   <c:roundedCorners val="0"/>
@@ -663,18 +671,11 @@
               <a:t>大一至大</a:t>
             </a:r>
             <a:r>
-              <a:rPr lang="zh-CN" sz="1800" dirty="0" smtClean="0">
+              <a:rPr lang="zh-CN" altLang="en-US" sz="1800" dirty="0">
                 <a:latin typeface="微软雅黑" panose="020B0503020204020204" pitchFamily="34" charset="-122"/>
                 <a:ea typeface="微软雅黑" panose="020B0503020204020204" pitchFamily="34" charset="-122"/>
               </a:rPr>
-              <a:t>二</a:t>
-            </a:r>
-            <a:r>
-              <a:rPr lang="zh-CN" altLang="en-US" sz="1800" dirty="0" smtClean="0">
-                <a:latin typeface="微软雅黑" panose="020B0503020204020204" pitchFamily="34" charset="-122"/>
-                <a:ea typeface="微软雅黑" panose="020B0503020204020204" pitchFamily="34" charset="-122"/>
-              </a:rPr>
-              <a:t>排名</a:t>
+              <a:t>四排名</a:t>
             </a:r>
             <a:endParaRPr lang="zh-CN" sz="1800" dirty="0">
               <a:latin typeface="微软雅黑" panose="020B0503020204020204" pitchFamily="34" charset="-122"/>
@@ -683,7 +684,6 @@
           </a:p>
         </c:rich>
       </c:tx>
-      <c:layout/>
       <c:overlay val="0"/>
       <c:spPr>
         <a:noFill/>
@@ -785,7 +785,6 @@
             <c:showLeaderLines val="0"/>
             <c:extLst>
               <c:ext xmlns:c15="http://schemas.microsoft.com/office/drawing/2012/chart" uri="{CE6537A1-D6FC-4f65-9D91-7224C49458BB}">
-                <c15:layout/>
                 <c15:showLeaderLines val="1"/>
                 <c15:leaderLines>
                   <c:spPr>
@@ -810,16 +809,16 @@
               <c:strCache>
                 <c:ptCount val="4"/>
                 <c:pt idx="0">
-                  <c:v>大一上</c:v>
+                  <c:v>大一</c:v>
                 </c:pt>
                 <c:pt idx="1">
-                  <c:v>大一下</c:v>
+                  <c:v>大二</c:v>
                 </c:pt>
                 <c:pt idx="2">
-                  <c:v>大二上</c:v>
+                  <c:v>大三</c:v>
                 </c:pt>
                 <c:pt idx="3">
-                  <c:v>大二下</c:v>
+                  <c:v>大四</c:v>
                 </c:pt>
               </c:strCache>
             </c:strRef>
@@ -831,21 +830,26 @@
                 <c:formatCode>General</c:formatCode>
                 <c:ptCount val="4"/>
                 <c:pt idx="0">
-                  <c:v>24</c:v>
+                  <c:v>22</c:v>
                 </c:pt>
                 <c:pt idx="1">
-                  <c:v>19</c:v>
+                  <c:v>14</c:v>
                 </c:pt>
                 <c:pt idx="2">
-                  <c:v>17</c:v>
+                  <c:v>10</c:v>
                 </c:pt>
                 <c:pt idx="3">
-                  <c:v>16</c:v>
+                  <c:v>8</c:v>
                 </c:pt>
               </c:numCache>
             </c:numRef>
           </c:val>
           <c:smooth val="0"/>
+          <c:extLst>
+            <c:ext xmlns:c16="http://schemas.microsoft.com/office/drawing/2014/chart" uri="{C3380CC4-5D6E-409C-BE32-E72D297353CC}">
+              <c16:uniqueId val="{00000000-5BAF-433B-BBC9-1A0B60901CA7}"/>
+            </c:ext>
+          </c:extLst>
         </c:ser>
         <c:dLbls>
           <c:showLegendKey val="0"/>
@@ -897,9 +901,9 @@
           </c:spPr>
         </c:minorGridlines>
         <c:numFmt formatCode="General" sourceLinked="1"/>
-        <c:majorTickMark val="none"/>
+        <c:majorTickMark val="out"/>
         <c:minorTickMark val="none"/>
-        <c:tickLblPos val="nextTo"/>
+        <c:tickLblPos val="high"/>
         <c:spPr>
           <a:noFill/>
           <a:ln w="9525" cap="flat" cmpd="sng" algn="ctr">
@@ -945,7 +949,7 @@
         <c:scaling>
           <c:orientation val="maxMin"/>
           <c:max val="25"/>
-          <c:min val="15"/>
+          <c:min val="1"/>
         </c:scaling>
         <c:delete val="0"/>
         <c:axPos val="l"/>
@@ -965,7 +969,7 @@
           </c:spPr>
         </c:majorGridlines>
         <c:numFmt formatCode="General" sourceLinked="1"/>
-        <c:majorTickMark val="none"/>
+        <c:majorTickMark val="out"/>
         <c:minorTickMark val="none"/>
         <c:tickLblPos val="nextTo"/>
         <c:spPr>
@@ -1019,7 +1023,6 @@
     </c:plotArea>
     <c:legend>
       <c:legendPos val="b"/>
-      <c:layout/>
       <c:overlay val="0"/>
       <c:spPr>
         <a:noFill/>
@@ -2361,7 +2364,7 @@
               <a:pPr>
                 <a:defRPr/>
               </a:pPr>
-              <a:t>2015/11/23</a:t>
+              <a:t>2017/6/11</a:t>
             </a:fld>
             <a:endParaRPr lang="zh-CN" altLang="en-US"/>
           </a:p>
@@ -2397,7 +2400,7 @@
           <a:lstStyle/>
           <a:p>
             <a:pPr lvl="0"/>
-            <a:endParaRPr lang="zh-CN" altLang="en-US" noProof="0" smtClean="0"/>
+            <a:endParaRPr lang="zh-CN" altLang="en-US" noProof="0"/>
           </a:p>
         </p:txBody>
       </p:sp>
@@ -2426,35 +2429,35 @@
           <a:p>
             <a:pPr lvl="0"/>
             <a:r>
-              <a:rPr lang="zh-CN" altLang="en-US" noProof="0" smtClean="0"/>
+              <a:rPr lang="zh-CN" altLang="en-US" noProof="0"/>
               <a:t>单击此处编辑母版文本样式</a:t>
             </a:r>
           </a:p>
           <a:p>
             <a:pPr lvl="1"/>
             <a:r>
-              <a:rPr lang="zh-CN" altLang="en-US" noProof="0" smtClean="0"/>
+              <a:rPr lang="zh-CN" altLang="en-US" noProof="0"/>
               <a:t>第二级</a:t>
             </a:r>
           </a:p>
           <a:p>
             <a:pPr lvl="2"/>
             <a:r>
-              <a:rPr lang="zh-CN" altLang="en-US" noProof="0" smtClean="0"/>
+              <a:rPr lang="zh-CN" altLang="en-US" noProof="0"/>
               <a:t>第三级</a:t>
             </a:r>
           </a:p>
           <a:p>
             <a:pPr lvl="3"/>
             <a:r>
-              <a:rPr lang="zh-CN" altLang="en-US" noProof="0" smtClean="0"/>
+              <a:rPr lang="zh-CN" altLang="en-US" noProof="0"/>
               <a:t>第四级</a:t>
             </a:r>
           </a:p>
           <a:p>
             <a:pPr lvl="4"/>
             <a:r>
-              <a:rPr lang="zh-CN" altLang="en-US" noProof="0" smtClean="0"/>
+              <a:rPr lang="zh-CN" altLang="en-US" noProof="0"/>
               <a:t>第五级</a:t>
             </a:r>
           </a:p>
@@ -2714,10 +2717,9 @@
           </a:lstStyle>
           <a:p>
             <a:r>
-              <a:rPr lang="zh-CN" altLang="en-US" smtClean="0"/>
+              <a:rPr lang="zh-CN" altLang="en-US"/>
               <a:t>单击此处编辑母版标题样式</a:t>
             </a:r>
-            <a:endParaRPr lang="zh-CN" altLang="en-US"/>
           </a:p>
         </p:txBody>
       </p:sp>
@@ -2779,10 +2781,9 @@
           </a:lstStyle>
           <a:p>
             <a:r>
-              <a:rPr lang="zh-CN" altLang="en-US" smtClean="0"/>
+              <a:rPr lang="zh-CN" altLang="en-US"/>
               <a:t>单击此处编辑母版副标题样式</a:t>
             </a:r>
-            <a:endParaRPr lang="zh-CN" altLang="en-US"/>
           </a:p>
         </p:txBody>
       </p:sp>
@@ -2815,7 +2816,7 @@
               <a:pPr>
                 <a:defRPr/>
               </a:pPr>
-              <a:t>11/23/2015</a:t>
+              <a:t>6/11/2017</a:t>
             </a:fld>
             <a:endParaRPr lang="en-US" altLang="zh-CN"/>
           </a:p>
@@ -2894,14 +2895,6 @@
   <p:clrMapOvr>
     <a:masterClrMapping/>
   </p:clrMapOvr>
-  <mc:AlternateContent xmlns:mc="http://schemas.openxmlformats.org/markup-compatibility/2006">
-    <mc:Choice xmlns:p14="http://schemas.microsoft.com/office/powerpoint/2010/main" Requires="p14">
-      <p:transition spd="slow" p14:dur="2000"/>
-    </mc:Choice>
-    <mc:Fallback>
-      <p:transition spd="slow"/>
-    </mc:Fallback>
-  </mc:AlternateContent>
 </p:sldLayout>
 </file>
 
@@ -2938,10 +2931,9 @@
           <a:lstStyle/>
           <a:p>
             <a:r>
-              <a:rPr lang="zh-CN" altLang="en-US" smtClean="0"/>
+              <a:rPr lang="zh-CN" altLang="en-US"/>
               <a:t>单击此处编辑母版标题样式</a:t>
             </a:r>
-            <a:endParaRPr lang="zh-CN" altLang="en-US"/>
           </a:p>
         </p:txBody>
       </p:sp>
@@ -2962,38 +2954,37 @@
           <a:p>
             <a:pPr lvl="0"/>
             <a:r>
-              <a:rPr lang="zh-CN" altLang="en-US" smtClean="0"/>
+              <a:rPr lang="zh-CN" altLang="en-US"/>
               <a:t>单击此处编辑母版文本样式</a:t>
             </a:r>
           </a:p>
           <a:p>
             <a:pPr lvl="1"/>
             <a:r>
-              <a:rPr lang="zh-CN" altLang="en-US" smtClean="0"/>
+              <a:rPr lang="zh-CN" altLang="en-US"/>
               <a:t>第二级</a:t>
             </a:r>
           </a:p>
           <a:p>
             <a:pPr lvl="2"/>
             <a:r>
-              <a:rPr lang="zh-CN" altLang="en-US" smtClean="0"/>
+              <a:rPr lang="zh-CN" altLang="en-US"/>
               <a:t>第三级</a:t>
             </a:r>
           </a:p>
           <a:p>
             <a:pPr lvl="3"/>
             <a:r>
-              <a:rPr lang="zh-CN" altLang="en-US" smtClean="0"/>
+              <a:rPr lang="zh-CN" altLang="en-US"/>
               <a:t>第四级</a:t>
             </a:r>
           </a:p>
           <a:p>
             <a:pPr lvl="4"/>
             <a:r>
-              <a:rPr lang="zh-CN" altLang="en-US" smtClean="0"/>
+              <a:rPr lang="zh-CN" altLang="en-US"/>
               <a:t>第五级</a:t>
             </a:r>
-            <a:endParaRPr lang="zh-CN" altLang="en-US"/>
           </a:p>
         </p:txBody>
       </p:sp>
@@ -3026,7 +3017,7 @@
               <a:pPr>
                 <a:defRPr/>
               </a:pPr>
-              <a:t>11/23/2015</a:t>
+              <a:t>6/11/2017</a:t>
             </a:fld>
             <a:endParaRPr lang="en-US" altLang="zh-CN"/>
           </a:p>
@@ -3105,14 +3096,6 @@
   <p:clrMapOvr>
     <a:masterClrMapping/>
   </p:clrMapOvr>
-  <mc:AlternateContent xmlns:mc="http://schemas.openxmlformats.org/markup-compatibility/2006">
-    <mc:Choice xmlns:p14="http://schemas.microsoft.com/office/powerpoint/2010/main" Requires="p14">
-      <p:transition spd="slow" p14:dur="2000"/>
-    </mc:Choice>
-    <mc:Fallback>
-      <p:transition spd="slow"/>
-    </mc:Fallback>
-  </mc:AlternateContent>
 </p:sldLayout>
 </file>
 
@@ -3154,10 +3137,9 @@
           <a:lstStyle/>
           <a:p>
             <a:r>
-              <a:rPr lang="zh-CN" altLang="en-US" smtClean="0"/>
+              <a:rPr lang="zh-CN" altLang="en-US"/>
               <a:t>单击此处编辑母版标题样式</a:t>
             </a:r>
-            <a:endParaRPr lang="zh-CN" altLang="en-US"/>
           </a:p>
         </p:txBody>
       </p:sp>
@@ -3183,38 +3165,37 @@
           <a:p>
             <a:pPr lvl="0"/>
             <a:r>
-              <a:rPr lang="zh-CN" altLang="en-US" smtClean="0"/>
+              <a:rPr lang="zh-CN" altLang="en-US"/>
               <a:t>单击此处编辑母版文本样式</a:t>
             </a:r>
           </a:p>
           <a:p>
             <a:pPr lvl="1"/>
             <a:r>
-              <a:rPr lang="zh-CN" altLang="en-US" smtClean="0"/>
+              <a:rPr lang="zh-CN" altLang="en-US"/>
               <a:t>第二级</a:t>
             </a:r>
           </a:p>
           <a:p>
             <a:pPr lvl="2"/>
             <a:r>
-              <a:rPr lang="zh-CN" altLang="en-US" smtClean="0"/>
+              <a:rPr lang="zh-CN" altLang="en-US"/>
               <a:t>第三级</a:t>
             </a:r>
           </a:p>
           <a:p>
             <a:pPr lvl="3"/>
             <a:r>
-              <a:rPr lang="zh-CN" altLang="en-US" smtClean="0"/>
+              <a:rPr lang="zh-CN" altLang="en-US"/>
               <a:t>第四级</a:t>
             </a:r>
           </a:p>
           <a:p>
             <a:pPr lvl="4"/>
             <a:r>
-              <a:rPr lang="zh-CN" altLang="en-US" smtClean="0"/>
+              <a:rPr lang="zh-CN" altLang="en-US"/>
               <a:t>第五级</a:t>
             </a:r>
-            <a:endParaRPr lang="zh-CN" altLang="en-US"/>
           </a:p>
         </p:txBody>
       </p:sp>
@@ -3247,7 +3228,7 @@
               <a:pPr>
                 <a:defRPr/>
               </a:pPr>
-              <a:t>11/23/2015</a:t>
+              <a:t>6/11/2017</a:t>
             </a:fld>
             <a:endParaRPr lang="en-US" altLang="zh-CN"/>
           </a:p>
@@ -3326,14 +3307,6 @@
   <p:clrMapOvr>
     <a:masterClrMapping/>
   </p:clrMapOvr>
-  <mc:AlternateContent xmlns:mc="http://schemas.openxmlformats.org/markup-compatibility/2006">
-    <mc:Choice xmlns:p14="http://schemas.microsoft.com/office/powerpoint/2010/main" Requires="p14">
-      <p:transition spd="slow" p14:dur="2000"/>
-    </mc:Choice>
-    <mc:Fallback>
-      <p:transition spd="slow"/>
-    </mc:Fallback>
-  </mc:AlternateContent>
 </p:sldLayout>
 </file>
 
@@ -3379,10 +3352,9 @@
           </a:lstStyle>
           <a:p>
             <a:r>
-              <a:rPr lang="zh-CN" altLang="en-US" smtClean="0"/>
+              <a:rPr lang="zh-CN" altLang="en-US"/>
               <a:t>单击此处编辑母版标题样式</a:t>
             </a:r>
-            <a:endParaRPr lang="zh-CN" altLang="en-US"/>
           </a:p>
         </p:txBody>
       </p:sp>
@@ -3444,10 +3416,9 @@
           </a:lstStyle>
           <a:p>
             <a:r>
-              <a:rPr lang="zh-CN" altLang="en-US" smtClean="0"/>
+              <a:rPr lang="zh-CN" altLang="en-US"/>
               <a:t>单击此处编辑母版副标题样式</a:t>
             </a:r>
-            <a:endParaRPr lang="zh-CN" altLang="en-US"/>
           </a:p>
         </p:txBody>
       </p:sp>
@@ -3480,7 +3451,7 @@
               <a:pPr>
                 <a:defRPr/>
               </a:pPr>
-              <a:t>11/23/2015</a:t>
+              <a:t>6/11/2017</a:t>
             </a:fld>
             <a:endParaRPr lang="en-US" altLang="zh-CN"/>
           </a:p>
@@ -3559,14 +3530,6 @@
   <p:clrMapOvr>
     <a:masterClrMapping/>
   </p:clrMapOvr>
-  <mc:AlternateContent xmlns:mc="http://schemas.openxmlformats.org/markup-compatibility/2006">
-    <mc:Choice xmlns:p14="http://schemas.microsoft.com/office/powerpoint/2010/main" Requires="p14">
-      <p:transition spd="slow" p14:dur="2000"/>
-    </mc:Choice>
-    <mc:Fallback>
-      <p:transition spd="slow"/>
-    </mc:Fallback>
-  </mc:AlternateContent>
 </p:sldLayout>
 </file>
 
@@ -3603,10 +3566,9 @@
           <a:lstStyle/>
           <a:p>
             <a:r>
-              <a:rPr lang="zh-CN" altLang="en-US" smtClean="0"/>
+              <a:rPr lang="zh-CN" altLang="en-US"/>
               <a:t>单击此处编辑母版标题样式</a:t>
             </a:r>
-            <a:endParaRPr lang="zh-CN" altLang="en-US"/>
           </a:p>
         </p:txBody>
       </p:sp>
@@ -3627,38 +3589,37 @@
           <a:p>
             <a:pPr lvl="0"/>
             <a:r>
-              <a:rPr lang="zh-CN" altLang="en-US" smtClean="0"/>
+              <a:rPr lang="zh-CN" altLang="en-US"/>
               <a:t>单击此处编辑母版文本样式</a:t>
             </a:r>
           </a:p>
           <a:p>
             <a:pPr lvl="1"/>
             <a:r>
-              <a:rPr lang="zh-CN" altLang="en-US" smtClean="0"/>
+              <a:rPr lang="zh-CN" altLang="en-US"/>
               <a:t>第二级</a:t>
             </a:r>
           </a:p>
           <a:p>
             <a:pPr lvl="2"/>
             <a:r>
-              <a:rPr lang="zh-CN" altLang="en-US" smtClean="0"/>
+              <a:rPr lang="zh-CN" altLang="en-US"/>
               <a:t>第三级</a:t>
             </a:r>
           </a:p>
           <a:p>
             <a:pPr lvl="3"/>
             <a:r>
-              <a:rPr lang="zh-CN" altLang="en-US" smtClean="0"/>
+              <a:rPr lang="zh-CN" altLang="en-US"/>
               <a:t>第四级</a:t>
             </a:r>
           </a:p>
           <a:p>
             <a:pPr lvl="4"/>
             <a:r>
-              <a:rPr lang="zh-CN" altLang="en-US" smtClean="0"/>
+              <a:rPr lang="zh-CN" altLang="en-US"/>
               <a:t>第五级</a:t>
             </a:r>
-            <a:endParaRPr lang="zh-CN" altLang="en-US"/>
           </a:p>
         </p:txBody>
       </p:sp>
@@ -3691,7 +3652,7 @@
               <a:pPr>
                 <a:defRPr/>
               </a:pPr>
-              <a:t>11/23/2015</a:t>
+              <a:t>6/11/2017</a:t>
             </a:fld>
             <a:endParaRPr lang="en-US" altLang="zh-CN"/>
           </a:p>
@@ -3770,14 +3731,6 @@
   <p:clrMapOvr>
     <a:masterClrMapping/>
   </p:clrMapOvr>
-  <mc:AlternateContent xmlns:mc="http://schemas.openxmlformats.org/markup-compatibility/2006">
-    <mc:Choice xmlns:p14="http://schemas.microsoft.com/office/powerpoint/2010/main" Requires="p14">
-      <p:transition spd="slow" p14:dur="2000"/>
-    </mc:Choice>
-    <mc:Fallback>
-      <p:transition spd="slow"/>
-    </mc:Fallback>
-  </mc:AlternateContent>
 </p:sldLayout>
 </file>
 
@@ -3823,10 +3776,9 @@
           </a:lstStyle>
           <a:p>
             <a:r>
-              <a:rPr lang="zh-CN" altLang="en-US" smtClean="0"/>
+              <a:rPr lang="zh-CN" altLang="en-US"/>
               <a:t>单击此处编辑母版标题样式</a:t>
             </a:r>
-            <a:endParaRPr lang="zh-CN" altLang="en-US"/>
           </a:p>
         </p:txBody>
       </p:sp>
@@ -3889,7 +3841,7 @@
           <a:p>
             <a:pPr lvl="0"/>
             <a:r>
-              <a:rPr lang="zh-CN" altLang="en-US" smtClean="0"/>
+              <a:rPr lang="zh-CN" altLang="en-US"/>
               <a:t>单击此处编辑母版文本样式</a:t>
             </a:r>
           </a:p>
@@ -3924,7 +3876,7 @@
               <a:pPr>
                 <a:defRPr/>
               </a:pPr>
-              <a:t>11/23/2015</a:t>
+              <a:t>6/11/2017</a:t>
             </a:fld>
             <a:endParaRPr lang="en-US" altLang="zh-CN"/>
           </a:p>
@@ -4003,14 +3955,6 @@
   <p:clrMapOvr>
     <a:masterClrMapping/>
   </p:clrMapOvr>
-  <mc:AlternateContent xmlns:mc="http://schemas.openxmlformats.org/markup-compatibility/2006">
-    <mc:Choice xmlns:p14="http://schemas.microsoft.com/office/powerpoint/2010/main" Requires="p14">
-      <p:transition spd="slow" p14:dur="2000"/>
-    </mc:Choice>
-    <mc:Fallback>
-      <p:transition spd="slow"/>
-    </mc:Fallback>
-  </mc:AlternateContent>
 </p:sldLayout>
 </file>
 
@@ -4047,10 +3991,9 @@
           <a:lstStyle/>
           <a:p>
             <a:r>
-              <a:rPr lang="zh-CN" altLang="en-US" smtClean="0"/>
+              <a:rPr lang="zh-CN" altLang="en-US"/>
               <a:t>单击此处编辑母版标题样式</a:t>
             </a:r>
-            <a:endParaRPr lang="zh-CN" altLang="en-US"/>
           </a:p>
         </p:txBody>
       </p:sp>
@@ -4076,38 +4019,37 @@
           <a:p>
             <a:pPr lvl="0"/>
             <a:r>
-              <a:rPr lang="zh-CN" altLang="en-US" smtClean="0"/>
+              <a:rPr lang="zh-CN" altLang="en-US"/>
               <a:t>单击此处编辑母版文本样式</a:t>
             </a:r>
           </a:p>
           <a:p>
             <a:pPr lvl="1"/>
             <a:r>
-              <a:rPr lang="zh-CN" altLang="en-US" smtClean="0"/>
+              <a:rPr lang="zh-CN" altLang="en-US"/>
               <a:t>第二级</a:t>
             </a:r>
           </a:p>
           <a:p>
             <a:pPr lvl="2"/>
             <a:r>
-              <a:rPr lang="zh-CN" altLang="en-US" smtClean="0"/>
+              <a:rPr lang="zh-CN" altLang="en-US"/>
               <a:t>第三级</a:t>
             </a:r>
           </a:p>
           <a:p>
             <a:pPr lvl="3"/>
             <a:r>
-              <a:rPr lang="zh-CN" altLang="en-US" smtClean="0"/>
+              <a:rPr lang="zh-CN" altLang="en-US"/>
               <a:t>第四级</a:t>
             </a:r>
           </a:p>
           <a:p>
             <a:pPr lvl="4"/>
             <a:r>
-              <a:rPr lang="zh-CN" altLang="en-US" smtClean="0"/>
+              <a:rPr lang="zh-CN" altLang="en-US"/>
               <a:t>第五级</a:t>
             </a:r>
-            <a:endParaRPr lang="zh-CN" altLang="en-US"/>
           </a:p>
         </p:txBody>
       </p:sp>
@@ -4133,38 +4075,37 @@
           <a:p>
             <a:pPr lvl="0"/>
             <a:r>
-              <a:rPr lang="zh-CN" altLang="en-US" smtClean="0"/>
+              <a:rPr lang="zh-CN" altLang="en-US"/>
               <a:t>单击此处编辑母版文本样式</a:t>
             </a:r>
           </a:p>
           <a:p>
             <a:pPr lvl="1"/>
             <a:r>
-              <a:rPr lang="zh-CN" altLang="en-US" smtClean="0"/>
+              <a:rPr lang="zh-CN" altLang="en-US"/>
               <a:t>第二级</a:t>
             </a:r>
           </a:p>
           <a:p>
             <a:pPr lvl="2"/>
             <a:r>
-              <a:rPr lang="zh-CN" altLang="en-US" smtClean="0"/>
+              <a:rPr lang="zh-CN" altLang="en-US"/>
               <a:t>第三级</a:t>
             </a:r>
           </a:p>
           <a:p>
             <a:pPr lvl="3"/>
             <a:r>
-              <a:rPr lang="zh-CN" altLang="en-US" smtClean="0"/>
+              <a:rPr lang="zh-CN" altLang="en-US"/>
               <a:t>第四级</a:t>
             </a:r>
           </a:p>
           <a:p>
             <a:pPr lvl="4"/>
             <a:r>
-              <a:rPr lang="zh-CN" altLang="en-US" smtClean="0"/>
+              <a:rPr lang="zh-CN" altLang="en-US"/>
               <a:t>第五级</a:t>
             </a:r>
-            <a:endParaRPr lang="zh-CN" altLang="en-US"/>
           </a:p>
         </p:txBody>
       </p:sp>
@@ -4197,7 +4138,7 @@
               <a:pPr>
                 <a:defRPr/>
               </a:pPr>
-              <a:t>11/23/2015</a:t>
+              <a:t>6/11/2017</a:t>
             </a:fld>
             <a:endParaRPr lang="en-US" altLang="zh-CN"/>
           </a:p>
@@ -4276,14 +4217,6 @@
   <p:clrMapOvr>
     <a:masterClrMapping/>
   </p:clrMapOvr>
-  <mc:AlternateContent xmlns:mc="http://schemas.openxmlformats.org/markup-compatibility/2006">
-    <mc:Choice xmlns:p14="http://schemas.microsoft.com/office/powerpoint/2010/main" Requires="p14">
-      <p:transition spd="slow" p14:dur="2000"/>
-    </mc:Choice>
-    <mc:Fallback>
-      <p:transition spd="slow"/>
-    </mc:Fallback>
-  </mc:AlternateContent>
 </p:sldLayout>
 </file>
 
@@ -4325,10 +4258,9 @@
           <a:lstStyle/>
           <a:p>
             <a:r>
-              <a:rPr lang="zh-CN" altLang="en-US" smtClean="0"/>
+              <a:rPr lang="zh-CN" altLang="en-US"/>
               <a:t>单击此处编辑母版标题样式</a:t>
             </a:r>
-            <a:endParaRPr lang="zh-CN" altLang="en-US"/>
           </a:p>
         </p:txBody>
       </p:sp>
@@ -4391,7 +4323,7 @@
           <a:p>
             <a:pPr lvl="0"/>
             <a:r>
-              <a:rPr lang="zh-CN" altLang="en-US" smtClean="0"/>
+              <a:rPr lang="zh-CN" altLang="en-US"/>
               <a:t>单击此处编辑母版文本样式</a:t>
             </a:r>
           </a:p>
@@ -4419,38 +4351,37 @@
           <a:p>
             <a:pPr lvl="0"/>
             <a:r>
-              <a:rPr lang="zh-CN" altLang="en-US" smtClean="0"/>
+              <a:rPr lang="zh-CN" altLang="en-US"/>
               <a:t>单击此处编辑母版文本样式</a:t>
             </a:r>
           </a:p>
           <a:p>
             <a:pPr lvl="1"/>
             <a:r>
-              <a:rPr lang="zh-CN" altLang="en-US" smtClean="0"/>
+              <a:rPr lang="zh-CN" altLang="en-US"/>
               <a:t>第二级</a:t>
             </a:r>
           </a:p>
           <a:p>
             <a:pPr lvl="2"/>
             <a:r>
-              <a:rPr lang="zh-CN" altLang="en-US" smtClean="0"/>
+              <a:rPr lang="zh-CN" altLang="en-US"/>
               <a:t>第三级</a:t>
             </a:r>
           </a:p>
           <a:p>
             <a:pPr lvl="3"/>
             <a:r>
-              <a:rPr lang="zh-CN" altLang="en-US" smtClean="0"/>
+              <a:rPr lang="zh-CN" altLang="en-US"/>
               <a:t>第四级</a:t>
             </a:r>
           </a:p>
           <a:p>
             <a:pPr lvl="4"/>
             <a:r>
-              <a:rPr lang="zh-CN" altLang="en-US" smtClean="0"/>
+              <a:rPr lang="zh-CN" altLang="en-US"/>
               <a:t>第五级</a:t>
             </a:r>
-            <a:endParaRPr lang="zh-CN" altLang="en-US"/>
           </a:p>
         </p:txBody>
       </p:sp>
@@ -4513,7 +4444,7 @@
           <a:p>
             <a:pPr lvl="0"/>
             <a:r>
-              <a:rPr lang="zh-CN" altLang="en-US" smtClean="0"/>
+              <a:rPr lang="zh-CN" altLang="en-US"/>
               <a:t>单击此处编辑母版文本样式</a:t>
             </a:r>
           </a:p>
@@ -4541,38 +4472,37 @@
           <a:p>
             <a:pPr lvl="0"/>
             <a:r>
-              <a:rPr lang="zh-CN" altLang="en-US" smtClean="0"/>
+              <a:rPr lang="zh-CN" altLang="en-US"/>
               <a:t>单击此处编辑母版文本样式</a:t>
             </a:r>
           </a:p>
           <a:p>
             <a:pPr lvl="1"/>
             <a:r>
-              <a:rPr lang="zh-CN" altLang="en-US" smtClean="0"/>
+              <a:rPr lang="zh-CN" altLang="en-US"/>
               <a:t>第二级</a:t>
             </a:r>
           </a:p>
           <a:p>
             <a:pPr lvl="2"/>
             <a:r>
-              <a:rPr lang="zh-CN" altLang="en-US" smtClean="0"/>
+              <a:rPr lang="zh-CN" altLang="en-US"/>
               <a:t>第三级</a:t>
             </a:r>
           </a:p>
           <a:p>
             <a:pPr lvl="3"/>
             <a:r>
-              <a:rPr lang="zh-CN" altLang="en-US" smtClean="0"/>
+              <a:rPr lang="zh-CN" altLang="en-US"/>
               <a:t>第四级</a:t>
             </a:r>
           </a:p>
           <a:p>
             <a:pPr lvl="4"/>
             <a:r>
-              <a:rPr lang="zh-CN" altLang="en-US" smtClean="0"/>
+              <a:rPr lang="zh-CN" altLang="en-US"/>
               <a:t>第五级</a:t>
             </a:r>
-            <a:endParaRPr lang="zh-CN" altLang="en-US"/>
           </a:p>
         </p:txBody>
       </p:sp>
@@ -4605,7 +4535,7 @@
               <a:pPr>
                 <a:defRPr/>
               </a:pPr>
-              <a:t>11/23/2015</a:t>
+              <a:t>6/11/2017</a:t>
             </a:fld>
             <a:endParaRPr lang="en-US" altLang="zh-CN"/>
           </a:p>
@@ -4684,14 +4614,6 @@
   <p:clrMapOvr>
     <a:masterClrMapping/>
   </p:clrMapOvr>
-  <mc:AlternateContent xmlns:mc="http://schemas.openxmlformats.org/markup-compatibility/2006">
-    <mc:Choice xmlns:p14="http://schemas.microsoft.com/office/powerpoint/2010/main" Requires="p14">
-      <p:transition spd="slow" p14:dur="2000"/>
-    </mc:Choice>
-    <mc:Fallback>
-      <p:transition spd="slow"/>
-    </mc:Fallback>
-  </mc:AlternateContent>
 </p:sldLayout>
 </file>
 
@@ -4728,10 +4650,9 @@
           <a:lstStyle/>
           <a:p>
             <a:r>
-              <a:rPr lang="zh-CN" altLang="en-US" smtClean="0"/>
+              <a:rPr lang="zh-CN" altLang="en-US"/>
               <a:t>单击此处编辑母版标题样式</a:t>
             </a:r>
-            <a:endParaRPr lang="zh-CN" altLang="en-US"/>
           </a:p>
         </p:txBody>
       </p:sp>
@@ -4764,7 +4685,7 @@
               <a:pPr>
                 <a:defRPr/>
               </a:pPr>
-              <a:t>11/23/2015</a:t>
+              <a:t>6/11/2017</a:t>
             </a:fld>
             <a:endParaRPr lang="en-US" altLang="zh-CN"/>
           </a:p>
@@ -4843,14 +4764,6 @@
   <p:clrMapOvr>
     <a:masterClrMapping/>
   </p:clrMapOvr>
-  <mc:AlternateContent xmlns:mc="http://schemas.openxmlformats.org/markup-compatibility/2006">
-    <mc:Choice xmlns:p14="http://schemas.microsoft.com/office/powerpoint/2010/main" Requires="p14">
-      <p:transition spd="slow" p14:dur="2000"/>
-    </mc:Choice>
-    <mc:Fallback>
-      <p:transition spd="slow"/>
-    </mc:Fallback>
-  </mc:AlternateContent>
 </p:sldLayout>
 </file>
 
@@ -4900,7 +4813,7 @@
               <a:pPr>
                 <a:defRPr/>
               </a:pPr>
-              <a:t>11/23/2015</a:t>
+              <a:t>6/11/2017</a:t>
             </a:fld>
             <a:endParaRPr lang="en-US" altLang="zh-CN"/>
           </a:p>
@@ -4979,14 +4892,6 @@
   <p:clrMapOvr>
     <a:masterClrMapping/>
   </p:clrMapOvr>
-  <mc:AlternateContent xmlns:mc="http://schemas.openxmlformats.org/markup-compatibility/2006">
-    <mc:Choice xmlns:p14="http://schemas.microsoft.com/office/powerpoint/2010/main" Requires="p14">
-      <p:transition spd="slow" p14:dur="2000"/>
-    </mc:Choice>
-    <mc:Fallback>
-      <p:transition spd="slow"/>
-    </mc:Fallback>
-  </mc:AlternateContent>
 </p:sldLayout>
 </file>
 
@@ -5032,10 +4937,9 @@
           </a:lstStyle>
           <a:p>
             <a:r>
-              <a:rPr lang="zh-CN" altLang="en-US" smtClean="0"/>
+              <a:rPr lang="zh-CN" altLang="en-US"/>
               <a:t>单击此处编辑母版标题样式</a:t>
             </a:r>
-            <a:endParaRPr lang="zh-CN" altLang="en-US"/>
           </a:p>
         </p:txBody>
       </p:sp>
@@ -5089,38 +4993,37 @@
           <a:p>
             <a:pPr lvl="0"/>
             <a:r>
-              <a:rPr lang="zh-CN" altLang="en-US" smtClean="0"/>
+              <a:rPr lang="zh-CN" altLang="en-US"/>
               <a:t>单击此处编辑母版文本样式</a:t>
             </a:r>
           </a:p>
           <a:p>
             <a:pPr lvl="1"/>
             <a:r>
-              <a:rPr lang="zh-CN" altLang="en-US" smtClean="0"/>
+              <a:rPr lang="zh-CN" altLang="en-US"/>
               <a:t>第二级</a:t>
             </a:r>
           </a:p>
           <a:p>
             <a:pPr lvl="2"/>
             <a:r>
-              <a:rPr lang="zh-CN" altLang="en-US" smtClean="0"/>
+              <a:rPr lang="zh-CN" altLang="en-US"/>
               <a:t>第三级</a:t>
             </a:r>
           </a:p>
           <a:p>
             <a:pPr lvl="3"/>
             <a:r>
-              <a:rPr lang="zh-CN" altLang="en-US" smtClean="0"/>
+              <a:rPr lang="zh-CN" altLang="en-US"/>
               <a:t>第四级</a:t>
             </a:r>
           </a:p>
           <a:p>
             <a:pPr lvl="4"/>
             <a:r>
-              <a:rPr lang="zh-CN" altLang="en-US" smtClean="0"/>
+              <a:rPr lang="zh-CN" altLang="en-US"/>
               <a:t>第五级</a:t>
             </a:r>
-            <a:endParaRPr lang="zh-CN" altLang="en-US"/>
           </a:p>
         </p:txBody>
       </p:sp>
@@ -5183,7 +5086,7 @@
           <a:p>
             <a:pPr lvl="0"/>
             <a:r>
-              <a:rPr lang="zh-CN" altLang="en-US" smtClean="0"/>
+              <a:rPr lang="zh-CN" altLang="en-US"/>
               <a:t>单击此处编辑母版文本样式</a:t>
             </a:r>
           </a:p>
@@ -5218,7 +5121,7 @@
               <a:pPr>
                 <a:defRPr/>
               </a:pPr>
-              <a:t>11/23/2015</a:t>
+              <a:t>6/11/2017</a:t>
             </a:fld>
             <a:endParaRPr lang="en-US" altLang="zh-CN"/>
           </a:p>
@@ -5297,14 +5200,6 @@
   <p:clrMapOvr>
     <a:masterClrMapping/>
   </p:clrMapOvr>
-  <mc:AlternateContent xmlns:mc="http://schemas.openxmlformats.org/markup-compatibility/2006">
-    <mc:Choice xmlns:p14="http://schemas.microsoft.com/office/powerpoint/2010/main" Requires="p14">
-      <p:transition spd="slow" p14:dur="2000"/>
-    </mc:Choice>
-    <mc:Fallback>
-      <p:transition spd="slow"/>
-    </mc:Fallback>
-  </mc:AlternateContent>
 </p:sldLayout>
 </file>
 
@@ -5341,10 +5236,9 @@
           <a:lstStyle/>
           <a:p>
             <a:r>
-              <a:rPr lang="zh-CN" altLang="en-US" smtClean="0"/>
+              <a:rPr lang="zh-CN" altLang="en-US"/>
               <a:t>单击此处编辑母版标题样式</a:t>
             </a:r>
-            <a:endParaRPr lang="zh-CN" altLang="en-US"/>
           </a:p>
         </p:txBody>
       </p:sp>
@@ -5365,38 +5259,37 @@
           <a:p>
             <a:pPr lvl="0"/>
             <a:r>
-              <a:rPr lang="zh-CN" altLang="en-US" smtClean="0"/>
+              <a:rPr lang="zh-CN" altLang="en-US"/>
               <a:t>单击此处编辑母版文本样式</a:t>
             </a:r>
           </a:p>
           <a:p>
             <a:pPr lvl="1"/>
             <a:r>
-              <a:rPr lang="zh-CN" altLang="en-US" smtClean="0"/>
+              <a:rPr lang="zh-CN" altLang="en-US"/>
               <a:t>第二级</a:t>
             </a:r>
           </a:p>
           <a:p>
             <a:pPr lvl="2"/>
             <a:r>
-              <a:rPr lang="zh-CN" altLang="en-US" smtClean="0"/>
+              <a:rPr lang="zh-CN" altLang="en-US"/>
               <a:t>第三级</a:t>
             </a:r>
           </a:p>
           <a:p>
             <a:pPr lvl="3"/>
             <a:r>
-              <a:rPr lang="zh-CN" altLang="en-US" smtClean="0"/>
+              <a:rPr lang="zh-CN" altLang="en-US"/>
               <a:t>第四级</a:t>
             </a:r>
           </a:p>
           <a:p>
             <a:pPr lvl="4"/>
             <a:r>
-              <a:rPr lang="zh-CN" altLang="en-US" smtClean="0"/>
+              <a:rPr lang="zh-CN" altLang="en-US"/>
               <a:t>第五级</a:t>
             </a:r>
-            <a:endParaRPr lang="zh-CN" altLang="en-US"/>
           </a:p>
         </p:txBody>
       </p:sp>
@@ -5429,7 +5322,7 @@
               <a:pPr>
                 <a:defRPr/>
               </a:pPr>
-              <a:t>11/23/2015</a:t>
+              <a:t>6/11/2017</a:t>
             </a:fld>
             <a:endParaRPr lang="en-US" altLang="zh-CN"/>
           </a:p>
@@ -5508,14 +5401,6 @@
   <p:clrMapOvr>
     <a:masterClrMapping/>
   </p:clrMapOvr>
-  <mc:AlternateContent xmlns:mc="http://schemas.openxmlformats.org/markup-compatibility/2006">
-    <mc:Choice xmlns:p14="http://schemas.microsoft.com/office/powerpoint/2010/main" Requires="p14">
-      <p:transition spd="slow" p14:dur="2000"/>
-    </mc:Choice>
-    <mc:Fallback>
-      <p:transition spd="slow"/>
-    </mc:Fallback>
-  </mc:AlternateContent>
 </p:sldLayout>
 </file>
 
@@ -5561,10 +5446,9 @@
           </a:lstStyle>
           <a:p>
             <a:r>
-              <a:rPr lang="zh-CN" altLang="en-US" smtClean="0"/>
+              <a:rPr lang="zh-CN" altLang="en-US"/>
               <a:t>单击此处编辑母版标题样式</a:t>
             </a:r>
-            <a:endParaRPr lang="zh-CN" altLang="en-US"/>
           </a:p>
         </p:txBody>
       </p:sp>
@@ -5626,7 +5510,7 @@
           </a:lstStyle>
           <a:p>
             <a:pPr lvl="0"/>
-            <a:endParaRPr lang="zh-CN" altLang="en-US" noProof="0" smtClean="0"/>
+            <a:endParaRPr lang="zh-CN" altLang="en-US" noProof="0"/>
           </a:p>
         </p:txBody>
       </p:sp>
@@ -5689,7 +5573,7 @@
           <a:p>
             <a:pPr lvl="0"/>
             <a:r>
-              <a:rPr lang="zh-CN" altLang="en-US" smtClean="0"/>
+              <a:rPr lang="zh-CN" altLang="en-US"/>
               <a:t>单击此处编辑母版文本样式</a:t>
             </a:r>
           </a:p>
@@ -5724,7 +5608,7 @@
               <a:pPr>
                 <a:defRPr/>
               </a:pPr>
-              <a:t>11/23/2015</a:t>
+              <a:t>6/11/2017</a:t>
             </a:fld>
             <a:endParaRPr lang="en-US" altLang="zh-CN"/>
           </a:p>
@@ -5803,14 +5687,6 @@
   <p:clrMapOvr>
     <a:masterClrMapping/>
   </p:clrMapOvr>
-  <mc:AlternateContent xmlns:mc="http://schemas.openxmlformats.org/markup-compatibility/2006">
-    <mc:Choice xmlns:p14="http://schemas.microsoft.com/office/powerpoint/2010/main" Requires="p14">
-      <p:transition spd="slow" p14:dur="2000"/>
-    </mc:Choice>
-    <mc:Fallback>
-      <p:transition spd="slow"/>
-    </mc:Fallback>
-  </mc:AlternateContent>
 </p:sldLayout>
 </file>
 
@@ -5847,10 +5723,9 @@
           <a:lstStyle/>
           <a:p>
             <a:r>
-              <a:rPr lang="zh-CN" altLang="en-US" smtClean="0"/>
+              <a:rPr lang="zh-CN" altLang="en-US"/>
               <a:t>单击此处编辑母版标题样式</a:t>
             </a:r>
-            <a:endParaRPr lang="zh-CN" altLang="en-US"/>
           </a:p>
         </p:txBody>
       </p:sp>
@@ -5871,38 +5746,37 @@
           <a:p>
             <a:pPr lvl="0"/>
             <a:r>
-              <a:rPr lang="zh-CN" altLang="en-US" smtClean="0"/>
+              <a:rPr lang="zh-CN" altLang="en-US"/>
               <a:t>单击此处编辑母版文本样式</a:t>
             </a:r>
           </a:p>
           <a:p>
             <a:pPr lvl="1"/>
             <a:r>
-              <a:rPr lang="zh-CN" altLang="en-US" smtClean="0"/>
+              <a:rPr lang="zh-CN" altLang="en-US"/>
               <a:t>第二级</a:t>
             </a:r>
           </a:p>
           <a:p>
             <a:pPr lvl="2"/>
             <a:r>
-              <a:rPr lang="zh-CN" altLang="en-US" smtClean="0"/>
+              <a:rPr lang="zh-CN" altLang="en-US"/>
               <a:t>第三级</a:t>
             </a:r>
           </a:p>
           <a:p>
             <a:pPr lvl="3"/>
             <a:r>
-              <a:rPr lang="zh-CN" altLang="en-US" smtClean="0"/>
+              <a:rPr lang="zh-CN" altLang="en-US"/>
               <a:t>第四级</a:t>
             </a:r>
           </a:p>
           <a:p>
             <a:pPr lvl="4"/>
             <a:r>
-              <a:rPr lang="zh-CN" altLang="en-US" smtClean="0"/>
+              <a:rPr lang="zh-CN" altLang="en-US"/>
               <a:t>第五级</a:t>
             </a:r>
-            <a:endParaRPr lang="zh-CN" altLang="en-US"/>
           </a:p>
         </p:txBody>
       </p:sp>
@@ -5935,7 +5809,7 @@
               <a:pPr>
                 <a:defRPr/>
               </a:pPr>
-              <a:t>11/23/2015</a:t>
+              <a:t>6/11/2017</a:t>
             </a:fld>
             <a:endParaRPr lang="en-US" altLang="zh-CN"/>
           </a:p>
@@ -6014,14 +5888,6 @@
   <p:clrMapOvr>
     <a:masterClrMapping/>
   </p:clrMapOvr>
-  <mc:AlternateContent xmlns:mc="http://schemas.openxmlformats.org/markup-compatibility/2006">
-    <mc:Choice xmlns:p14="http://schemas.microsoft.com/office/powerpoint/2010/main" Requires="p14">
-      <p:transition spd="slow" p14:dur="2000"/>
-    </mc:Choice>
-    <mc:Fallback>
-      <p:transition spd="slow"/>
-    </mc:Fallback>
-  </mc:AlternateContent>
 </p:sldLayout>
 </file>
 
@@ -6063,10 +5929,9 @@
           <a:lstStyle/>
           <a:p>
             <a:r>
-              <a:rPr lang="zh-CN" altLang="en-US" smtClean="0"/>
+              <a:rPr lang="zh-CN" altLang="en-US"/>
               <a:t>单击此处编辑母版标题样式</a:t>
             </a:r>
-            <a:endParaRPr lang="zh-CN" altLang="en-US"/>
           </a:p>
         </p:txBody>
       </p:sp>
@@ -6092,38 +5957,37 @@
           <a:p>
             <a:pPr lvl="0"/>
             <a:r>
-              <a:rPr lang="zh-CN" altLang="en-US" smtClean="0"/>
+              <a:rPr lang="zh-CN" altLang="en-US"/>
               <a:t>单击此处编辑母版文本样式</a:t>
             </a:r>
           </a:p>
           <a:p>
             <a:pPr lvl="1"/>
             <a:r>
-              <a:rPr lang="zh-CN" altLang="en-US" smtClean="0"/>
+              <a:rPr lang="zh-CN" altLang="en-US"/>
               <a:t>第二级</a:t>
             </a:r>
           </a:p>
           <a:p>
             <a:pPr lvl="2"/>
             <a:r>
-              <a:rPr lang="zh-CN" altLang="en-US" smtClean="0"/>
+              <a:rPr lang="zh-CN" altLang="en-US"/>
               <a:t>第三级</a:t>
             </a:r>
           </a:p>
           <a:p>
             <a:pPr lvl="3"/>
             <a:r>
-              <a:rPr lang="zh-CN" altLang="en-US" smtClean="0"/>
+              <a:rPr lang="zh-CN" altLang="en-US"/>
               <a:t>第四级</a:t>
             </a:r>
           </a:p>
           <a:p>
             <a:pPr lvl="4"/>
             <a:r>
-              <a:rPr lang="zh-CN" altLang="en-US" smtClean="0"/>
+              <a:rPr lang="zh-CN" altLang="en-US"/>
               <a:t>第五级</a:t>
             </a:r>
-            <a:endParaRPr lang="zh-CN" altLang="en-US"/>
           </a:p>
         </p:txBody>
       </p:sp>
@@ -6156,7 +6020,7 @@
               <a:pPr>
                 <a:defRPr/>
               </a:pPr>
-              <a:t>11/23/2015</a:t>
+              <a:t>6/11/2017</a:t>
             </a:fld>
             <a:endParaRPr lang="en-US" altLang="zh-CN"/>
           </a:p>
@@ -6235,14 +6099,6 @@
   <p:clrMapOvr>
     <a:masterClrMapping/>
   </p:clrMapOvr>
-  <mc:AlternateContent xmlns:mc="http://schemas.openxmlformats.org/markup-compatibility/2006">
-    <mc:Choice xmlns:p14="http://schemas.microsoft.com/office/powerpoint/2010/main" Requires="p14">
-      <p:transition spd="slow" p14:dur="2000"/>
-    </mc:Choice>
-    <mc:Fallback>
-      <p:transition spd="slow"/>
-    </mc:Fallback>
-  </mc:AlternateContent>
 </p:sldLayout>
 </file>
 
@@ -6288,10 +6144,9 @@
           </a:lstStyle>
           <a:p>
             <a:r>
-              <a:rPr lang="zh-CN" altLang="en-US" smtClean="0"/>
+              <a:rPr lang="zh-CN" altLang="en-US"/>
               <a:t>单击此处编辑母版标题样式</a:t>
             </a:r>
-            <a:endParaRPr lang="zh-CN" altLang="en-US"/>
           </a:p>
         </p:txBody>
       </p:sp>
@@ -6354,7 +6209,7 @@
           <a:p>
             <a:pPr lvl="0"/>
             <a:r>
-              <a:rPr lang="zh-CN" altLang="en-US" smtClean="0"/>
+              <a:rPr lang="zh-CN" altLang="en-US"/>
               <a:t>单击此处编辑母版文本样式</a:t>
             </a:r>
           </a:p>
@@ -6389,7 +6244,7 @@
               <a:pPr>
                 <a:defRPr/>
               </a:pPr>
-              <a:t>11/23/2015</a:t>
+              <a:t>6/11/2017</a:t>
             </a:fld>
             <a:endParaRPr lang="en-US" altLang="zh-CN"/>
           </a:p>
@@ -6468,14 +6323,6 @@
   <p:clrMapOvr>
     <a:masterClrMapping/>
   </p:clrMapOvr>
-  <mc:AlternateContent xmlns:mc="http://schemas.openxmlformats.org/markup-compatibility/2006">
-    <mc:Choice xmlns:p14="http://schemas.microsoft.com/office/powerpoint/2010/main" Requires="p14">
-      <p:transition spd="slow" p14:dur="2000"/>
-    </mc:Choice>
-    <mc:Fallback>
-      <p:transition spd="slow"/>
-    </mc:Fallback>
-  </mc:AlternateContent>
 </p:sldLayout>
 </file>
 
@@ -6512,10 +6359,9 @@
           <a:lstStyle/>
           <a:p>
             <a:r>
-              <a:rPr lang="zh-CN" altLang="en-US" smtClean="0"/>
+              <a:rPr lang="zh-CN" altLang="en-US"/>
               <a:t>单击此处编辑母版标题样式</a:t>
             </a:r>
-            <a:endParaRPr lang="zh-CN" altLang="en-US"/>
           </a:p>
         </p:txBody>
       </p:sp>
@@ -6541,38 +6387,37 @@
           <a:p>
             <a:pPr lvl="0"/>
             <a:r>
-              <a:rPr lang="zh-CN" altLang="en-US" smtClean="0"/>
+              <a:rPr lang="zh-CN" altLang="en-US"/>
               <a:t>单击此处编辑母版文本样式</a:t>
             </a:r>
           </a:p>
           <a:p>
             <a:pPr lvl="1"/>
             <a:r>
-              <a:rPr lang="zh-CN" altLang="en-US" smtClean="0"/>
+              <a:rPr lang="zh-CN" altLang="en-US"/>
               <a:t>第二级</a:t>
             </a:r>
           </a:p>
           <a:p>
             <a:pPr lvl="2"/>
             <a:r>
-              <a:rPr lang="zh-CN" altLang="en-US" smtClean="0"/>
+              <a:rPr lang="zh-CN" altLang="en-US"/>
               <a:t>第三级</a:t>
             </a:r>
           </a:p>
           <a:p>
             <a:pPr lvl="3"/>
             <a:r>
-              <a:rPr lang="zh-CN" altLang="en-US" smtClean="0"/>
+              <a:rPr lang="zh-CN" altLang="en-US"/>
               <a:t>第四级</a:t>
             </a:r>
           </a:p>
           <a:p>
             <a:pPr lvl="4"/>
             <a:r>
-              <a:rPr lang="zh-CN" altLang="en-US" smtClean="0"/>
+              <a:rPr lang="zh-CN" altLang="en-US"/>
               <a:t>第五级</a:t>
             </a:r>
-            <a:endParaRPr lang="zh-CN" altLang="en-US"/>
           </a:p>
         </p:txBody>
       </p:sp>
@@ -6598,38 +6443,37 @@
           <a:p>
             <a:pPr lvl="0"/>
             <a:r>
-              <a:rPr lang="zh-CN" altLang="en-US" smtClean="0"/>
+              <a:rPr lang="zh-CN" altLang="en-US"/>
               <a:t>单击此处编辑母版文本样式</a:t>
             </a:r>
           </a:p>
           <a:p>
             <a:pPr lvl="1"/>
             <a:r>
-              <a:rPr lang="zh-CN" altLang="en-US" smtClean="0"/>
+              <a:rPr lang="zh-CN" altLang="en-US"/>
               <a:t>第二级</a:t>
             </a:r>
           </a:p>
           <a:p>
             <a:pPr lvl="2"/>
             <a:r>
-              <a:rPr lang="zh-CN" altLang="en-US" smtClean="0"/>
+              <a:rPr lang="zh-CN" altLang="en-US"/>
               <a:t>第三级</a:t>
             </a:r>
           </a:p>
           <a:p>
             <a:pPr lvl="3"/>
             <a:r>
-              <a:rPr lang="zh-CN" altLang="en-US" smtClean="0"/>
+              <a:rPr lang="zh-CN" altLang="en-US"/>
               <a:t>第四级</a:t>
             </a:r>
           </a:p>
           <a:p>
             <a:pPr lvl="4"/>
             <a:r>
-              <a:rPr lang="zh-CN" altLang="en-US" smtClean="0"/>
+              <a:rPr lang="zh-CN" altLang="en-US"/>
               <a:t>第五级</a:t>
             </a:r>
-            <a:endParaRPr lang="zh-CN" altLang="en-US"/>
           </a:p>
         </p:txBody>
       </p:sp>
@@ -6662,7 +6506,7 @@
               <a:pPr>
                 <a:defRPr/>
               </a:pPr>
-              <a:t>11/23/2015</a:t>
+              <a:t>6/11/2017</a:t>
             </a:fld>
             <a:endParaRPr lang="en-US" altLang="zh-CN"/>
           </a:p>
@@ -6741,14 +6585,6 @@
   <p:clrMapOvr>
     <a:masterClrMapping/>
   </p:clrMapOvr>
-  <mc:AlternateContent xmlns:mc="http://schemas.openxmlformats.org/markup-compatibility/2006">
-    <mc:Choice xmlns:p14="http://schemas.microsoft.com/office/powerpoint/2010/main" Requires="p14">
-      <p:transition spd="slow" p14:dur="2000"/>
-    </mc:Choice>
-    <mc:Fallback>
-      <p:transition spd="slow"/>
-    </mc:Fallback>
-  </mc:AlternateContent>
 </p:sldLayout>
 </file>
 
@@ -6790,10 +6626,9 @@
           <a:lstStyle/>
           <a:p>
             <a:r>
-              <a:rPr lang="zh-CN" altLang="en-US" smtClean="0"/>
+              <a:rPr lang="zh-CN" altLang="en-US"/>
               <a:t>单击此处编辑母版标题样式</a:t>
             </a:r>
-            <a:endParaRPr lang="zh-CN" altLang="en-US"/>
           </a:p>
         </p:txBody>
       </p:sp>
@@ -6856,7 +6691,7 @@
           <a:p>
             <a:pPr lvl="0"/>
             <a:r>
-              <a:rPr lang="zh-CN" altLang="en-US" smtClean="0"/>
+              <a:rPr lang="zh-CN" altLang="en-US"/>
               <a:t>单击此处编辑母版文本样式</a:t>
             </a:r>
           </a:p>
@@ -6884,38 +6719,37 @@
           <a:p>
             <a:pPr lvl="0"/>
             <a:r>
-              <a:rPr lang="zh-CN" altLang="en-US" smtClean="0"/>
+              <a:rPr lang="zh-CN" altLang="en-US"/>
               <a:t>单击此处编辑母版文本样式</a:t>
             </a:r>
           </a:p>
           <a:p>
             <a:pPr lvl="1"/>
             <a:r>
-              <a:rPr lang="zh-CN" altLang="en-US" smtClean="0"/>
+              <a:rPr lang="zh-CN" altLang="en-US"/>
               <a:t>第二级</a:t>
             </a:r>
           </a:p>
           <a:p>
             <a:pPr lvl="2"/>
             <a:r>
-              <a:rPr lang="zh-CN" altLang="en-US" smtClean="0"/>
+              <a:rPr lang="zh-CN" altLang="en-US"/>
               <a:t>第三级</a:t>
             </a:r>
           </a:p>
           <a:p>
             <a:pPr lvl="3"/>
             <a:r>
-              <a:rPr lang="zh-CN" altLang="en-US" smtClean="0"/>
+              <a:rPr lang="zh-CN" altLang="en-US"/>
               <a:t>第四级</a:t>
             </a:r>
           </a:p>
           <a:p>
             <a:pPr lvl="4"/>
             <a:r>
-              <a:rPr lang="zh-CN" altLang="en-US" smtClean="0"/>
+              <a:rPr lang="zh-CN" altLang="en-US"/>
               <a:t>第五级</a:t>
             </a:r>
-            <a:endParaRPr lang="zh-CN" altLang="en-US"/>
           </a:p>
         </p:txBody>
       </p:sp>
@@ -6978,7 +6812,7 @@
           <a:p>
             <a:pPr lvl="0"/>
             <a:r>
-              <a:rPr lang="zh-CN" altLang="en-US" smtClean="0"/>
+              <a:rPr lang="zh-CN" altLang="en-US"/>
               <a:t>单击此处编辑母版文本样式</a:t>
             </a:r>
           </a:p>
@@ -7006,38 +6840,37 @@
           <a:p>
             <a:pPr lvl="0"/>
             <a:r>
-              <a:rPr lang="zh-CN" altLang="en-US" smtClean="0"/>
+              <a:rPr lang="zh-CN" altLang="en-US"/>
               <a:t>单击此处编辑母版文本样式</a:t>
             </a:r>
           </a:p>
           <a:p>
             <a:pPr lvl="1"/>
             <a:r>
-              <a:rPr lang="zh-CN" altLang="en-US" smtClean="0"/>
+              <a:rPr lang="zh-CN" altLang="en-US"/>
               <a:t>第二级</a:t>
             </a:r>
           </a:p>
           <a:p>
             <a:pPr lvl="2"/>
             <a:r>
-              <a:rPr lang="zh-CN" altLang="en-US" smtClean="0"/>
+              <a:rPr lang="zh-CN" altLang="en-US"/>
               <a:t>第三级</a:t>
             </a:r>
           </a:p>
           <a:p>
             <a:pPr lvl="3"/>
             <a:r>
-              <a:rPr lang="zh-CN" altLang="en-US" smtClean="0"/>
+              <a:rPr lang="zh-CN" altLang="en-US"/>
               <a:t>第四级</a:t>
             </a:r>
           </a:p>
           <a:p>
             <a:pPr lvl="4"/>
             <a:r>
-              <a:rPr lang="zh-CN" altLang="en-US" smtClean="0"/>
+              <a:rPr lang="zh-CN" altLang="en-US"/>
               <a:t>第五级</a:t>
             </a:r>
-            <a:endParaRPr lang="zh-CN" altLang="en-US"/>
           </a:p>
         </p:txBody>
       </p:sp>
@@ -7070,7 +6903,7 @@
               <a:pPr>
                 <a:defRPr/>
               </a:pPr>
-              <a:t>11/23/2015</a:t>
+              <a:t>6/11/2017</a:t>
             </a:fld>
             <a:endParaRPr lang="en-US" altLang="zh-CN"/>
           </a:p>
@@ -7149,14 +6982,6 @@
   <p:clrMapOvr>
     <a:masterClrMapping/>
   </p:clrMapOvr>
-  <mc:AlternateContent xmlns:mc="http://schemas.openxmlformats.org/markup-compatibility/2006">
-    <mc:Choice xmlns:p14="http://schemas.microsoft.com/office/powerpoint/2010/main" Requires="p14">
-      <p:transition spd="slow" p14:dur="2000"/>
-    </mc:Choice>
-    <mc:Fallback>
-      <p:transition spd="slow"/>
-    </mc:Fallback>
-  </mc:AlternateContent>
 </p:sldLayout>
 </file>
 
@@ -7193,10 +7018,9 @@
           <a:lstStyle/>
           <a:p>
             <a:r>
-              <a:rPr lang="zh-CN" altLang="en-US" smtClean="0"/>
+              <a:rPr lang="zh-CN" altLang="en-US"/>
               <a:t>单击此处编辑母版标题样式</a:t>
             </a:r>
-            <a:endParaRPr lang="zh-CN" altLang="en-US"/>
           </a:p>
         </p:txBody>
       </p:sp>
@@ -7229,7 +7053,7 @@
               <a:pPr>
                 <a:defRPr/>
               </a:pPr>
-              <a:t>11/23/2015</a:t>
+              <a:t>6/11/2017</a:t>
             </a:fld>
             <a:endParaRPr lang="en-US" altLang="zh-CN"/>
           </a:p>
@@ -7308,14 +7132,6 @@
   <p:clrMapOvr>
     <a:masterClrMapping/>
   </p:clrMapOvr>
-  <mc:AlternateContent xmlns:mc="http://schemas.openxmlformats.org/markup-compatibility/2006">
-    <mc:Choice xmlns:p14="http://schemas.microsoft.com/office/powerpoint/2010/main" Requires="p14">
-      <p:transition spd="slow" p14:dur="2000"/>
-    </mc:Choice>
-    <mc:Fallback>
-      <p:transition spd="slow"/>
-    </mc:Fallback>
-  </mc:AlternateContent>
 </p:sldLayout>
 </file>
 
@@ -7365,7 +7181,7 @@
               <a:pPr>
                 <a:defRPr/>
               </a:pPr>
-              <a:t>11/23/2015</a:t>
+              <a:t>6/11/2017</a:t>
             </a:fld>
             <a:endParaRPr lang="en-US" altLang="zh-CN"/>
           </a:p>
@@ -7444,14 +7260,6 @@
   <p:clrMapOvr>
     <a:masterClrMapping/>
   </p:clrMapOvr>
-  <mc:AlternateContent xmlns:mc="http://schemas.openxmlformats.org/markup-compatibility/2006">
-    <mc:Choice xmlns:p14="http://schemas.microsoft.com/office/powerpoint/2010/main" Requires="p14">
-      <p:transition spd="slow" p14:dur="2000"/>
-    </mc:Choice>
-    <mc:Fallback>
-      <p:transition spd="slow"/>
-    </mc:Fallback>
-  </mc:AlternateContent>
 </p:sldLayout>
 </file>
 
@@ -7497,10 +7305,9 @@
           </a:lstStyle>
           <a:p>
             <a:r>
-              <a:rPr lang="zh-CN" altLang="en-US" smtClean="0"/>
+              <a:rPr lang="zh-CN" altLang="en-US"/>
               <a:t>单击此处编辑母版标题样式</a:t>
             </a:r>
-            <a:endParaRPr lang="zh-CN" altLang="en-US"/>
           </a:p>
         </p:txBody>
       </p:sp>
@@ -7554,38 +7361,37 @@
           <a:p>
             <a:pPr lvl="0"/>
             <a:r>
-              <a:rPr lang="zh-CN" altLang="en-US" smtClean="0"/>
+              <a:rPr lang="zh-CN" altLang="en-US"/>
               <a:t>单击此处编辑母版文本样式</a:t>
             </a:r>
           </a:p>
           <a:p>
             <a:pPr lvl="1"/>
             <a:r>
-              <a:rPr lang="zh-CN" altLang="en-US" smtClean="0"/>
+              <a:rPr lang="zh-CN" altLang="en-US"/>
               <a:t>第二级</a:t>
             </a:r>
           </a:p>
           <a:p>
             <a:pPr lvl="2"/>
             <a:r>
-              <a:rPr lang="zh-CN" altLang="en-US" smtClean="0"/>
+              <a:rPr lang="zh-CN" altLang="en-US"/>
               <a:t>第三级</a:t>
             </a:r>
           </a:p>
           <a:p>
             <a:pPr lvl="3"/>
             <a:r>
-              <a:rPr lang="zh-CN" altLang="en-US" smtClean="0"/>
+              <a:rPr lang="zh-CN" altLang="en-US"/>
               <a:t>第四级</a:t>
             </a:r>
           </a:p>
           <a:p>
             <a:pPr lvl="4"/>
             <a:r>
-              <a:rPr lang="zh-CN" altLang="en-US" smtClean="0"/>
+              <a:rPr lang="zh-CN" altLang="en-US"/>
               <a:t>第五级</a:t>
             </a:r>
-            <a:endParaRPr lang="zh-CN" altLang="en-US"/>
           </a:p>
         </p:txBody>
       </p:sp>
@@ -7648,7 +7454,7 @@
           <a:p>
             <a:pPr lvl="0"/>
             <a:r>
-              <a:rPr lang="zh-CN" altLang="en-US" smtClean="0"/>
+              <a:rPr lang="zh-CN" altLang="en-US"/>
               <a:t>单击此处编辑母版文本样式</a:t>
             </a:r>
           </a:p>
@@ -7683,7 +7489,7 @@
               <a:pPr>
                 <a:defRPr/>
               </a:pPr>
-              <a:t>11/23/2015</a:t>
+              <a:t>6/11/2017</a:t>
             </a:fld>
             <a:endParaRPr lang="en-US" altLang="zh-CN"/>
           </a:p>
@@ -7762,14 +7568,6 @@
   <p:clrMapOvr>
     <a:masterClrMapping/>
   </p:clrMapOvr>
-  <mc:AlternateContent xmlns:mc="http://schemas.openxmlformats.org/markup-compatibility/2006">
-    <mc:Choice xmlns:p14="http://schemas.microsoft.com/office/powerpoint/2010/main" Requires="p14">
-      <p:transition spd="slow" p14:dur="2000"/>
-    </mc:Choice>
-    <mc:Fallback>
-      <p:transition spd="slow"/>
-    </mc:Fallback>
-  </mc:AlternateContent>
 </p:sldLayout>
 </file>
 
@@ -7815,10 +7613,9 @@
           </a:lstStyle>
           <a:p>
             <a:r>
-              <a:rPr lang="zh-CN" altLang="en-US" smtClean="0"/>
+              <a:rPr lang="zh-CN" altLang="en-US"/>
               <a:t>单击此处编辑母版标题样式</a:t>
             </a:r>
-            <a:endParaRPr lang="zh-CN" altLang="en-US"/>
           </a:p>
         </p:txBody>
       </p:sp>
@@ -7880,7 +7677,7 @@
           </a:lstStyle>
           <a:p>
             <a:pPr lvl="0"/>
-            <a:endParaRPr lang="zh-CN" altLang="en-US" noProof="0" smtClean="0"/>
+            <a:endParaRPr lang="zh-CN" altLang="en-US" noProof="0"/>
           </a:p>
         </p:txBody>
       </p:sp>
@@ -7943,7 +7740,7 @@
           <a:p>
             <a:pPr lvl="0"/>
             <a:r>
-              <a:rPr lang="zh-CN" altLang="en-US" smtClean="0"/>
+              <a:rPr lang="zh-CN" altLang="en-US"/>
               <a:t>单击此处编辑母版文本样式</a:t>
             </a:r>
           </a:p>
@@ -7978,7 +7775,7 @@
               <a:pPr>
                 <a:defRPr/>
               </a:pPr>
-              <a:t>11/23/2015</a:t>
+              <a:t>6/11/2017</a:t>
             </a:fld>
             <a:endParaRPr lang="en-US" altLang="zh-CN"/>
           </a:p>
@@ -8057,14 +7854,6 @@
   <p:clrMapOvr>
     <a:masterClrMapping/>
   </p:clrMapOvr>
-  <mc:AlternateContent xmlns:mc="http://schemas.openxmlformats.org/markup-compatibility/2006">
-    <mc:Choice xmlns:p14="http://schemas.microsoft.com/office/powerpoint/2010/main" Requires="p14">
-      <p:transition spd="slow" p14:dur="2000"/>
-    </mc:Choice>
-    <mc:Fallback>
-      <p:transition spd="slow"/>
-    </mc:Fallback>
-  </mc:AlternateContent>
 </p:sldLayout>
 </file>
 
@@ -8149,7 +7938,7 @@
           <a:p>
             <a:pPr lvl="0"/>
             <a:r>
-              <a:rPr lang="en-US" altLang="zh-CN" smtClean="0"/>
+              <a:rPr lang="en-US" altLang="zh-CN"/>
               <a:t>Click to edit Master title style</a:t>
             </a:r>
           </a:p>
@@ -8207,35 +7996,35 @@
           <a:p>
             <a:pPr lvl="0"/>
             <a:r>
-              <a:rPr lang="en-US" altLang="zh-CN" smtClean="0"/>
+              <a:rPr lang="en-US" altLang="zh-CN"/>
               <a:t>Click to edit Master text styles</a:t>
             </a:r>
           </a:p>
           <a:p>
             <a:pPr lvl="1"/>
             <a:r>
-              <a:rPr lang="en-US" altLang="zh-CN" smtClean="0"/>
+              <a:rPr lang="en-US" altLang="zh-CN"/>
               <a:t>Second level</a:t>
             </a:r>
           </a:p>
           <a:p>
             <a:pPr lvl="2"/>
             <a:r>
-              <a:rPr lang="en-US" altLang="zh-CN" smtClean="0"/>
+              <a:rPr lang="en-US" altLang="zh-CN"/>
               <a:t>Third level</a:t>
             </a:r>
           </a:p>
           <a:p>
             <a:pPr lvl="3"/>
             <a:r>
-              <a:rPr lang="en-US" altLang="zh-CN" smtClean="0"/>
+              <a:rPr lang="en-US" altLang="zh-CN"/>
               <a:t>Fourth level</a:t>
             </a:r>
           </a:p>
           <a:p>
             <a:pPr lvl="4"/>
             <a:r>
-              <a:rPr lang="en-US" altLang="zh-CN" smtClean="0"/>
+              <a:rPr lang="en-US" altLang="zh-CN"/>
               <a:t>Fifth level</a:t>
             </a:r>
           </a:p>
@@ -8309,7 +8098,7 @@
               <a:pPr>
                 <a:defRPr/>
               </a:pPr>
-              <a:t>11/23/2015</a:t>
+              <a:t>6/11/2017</a:t>
             </a:fld>
             <a:endParaRPr lang="en-US" altLang="zh-CN"/>
           </a:p>
@@ -8472,14 +8261,6 @@
     <p:sldLayoutId id="2147483764" r:id="rId10"/>
     <p:sldLayoutId id="2147483765" r:id="rId11"/>
   </p:sldLayoutIdLst>
-  <mc:AlternateContent xmlns:mc="http://schemas.openxmlformats.org/markup-compatibility/2006">
-    <mc:Choice xmlns:p14="http://schemas.microsoft.com/office/powerpoint/2010/main" Requires="p14">
-      <p:transition spd="slow" p14:dur="2000"/>
-    </mc:Choice>
-    <mc:Fallback>
-      <p:transition spd="slow"/>
-    </mc:Fallback>
-  </mc:AlternateContent>
   <p:txStyles>
     <p:titleStyle>
       <a:lvl1pPr algn="ctr" defTabSz="457200" rtl="0" eaLnBrk="0" fontAlgn="base" hangingPunct="0">
@@ -8955,7 +8736,7 @@
           <a:p>
             <a:pPr lvl="0"/>
             <a:r>
-              <a:rPr lang="en-US" altLang="zh-CN" smtClean="0"/>
+              <a:rPr lang="en-US" altLang="zh-CN"/>
               <a:t>Click to edit Master title style</a:t>
             </a:r>
           </a:p>
@@ -9013,35 +8794,35 @@
           <a:p>
             <a:pPr lvl="0"/>
             <a:r>
-              <a:rPr lang="en-US" altLang="zh-CN" smtClean="0"/>
+              <a:rPr lang="en-US" altLang="zh-CN"/>
               <a:t>Click to edit Master text styles</a:t>
             </a:r>
           </a:p>
           <a:p>
             <a:pPr lvl="1"/>
             <a:r>
-              <a:rPr lang="en-US" altLang="zh-CN" smtClean="0"/>
+              <a:rPr lang="en-US" altLang="zh-CN"/>
               <a:t>Second level</a:t>
             </a:r>
           </a:p>
           <a:p>
             <a:pPr lvl="2"/>
             <a:r>
-              <a:rPr lang="en-US" altLang="zh-CN" smtClean="0"/>
+              <a:rPr lang="en-US" altLang="zh-CN"/>
               <a:t>Third level</a:t>
             </a:r>
           </a:p>
           <a:p>
             <a:pPr lvl="3"/>
             <a:r>
-              <a:rPr lang="en-US" altLang="zh-CN" smtClean="0"/>
+              <a:rPr lang="en-US" altLang="zh-CN"/>
               <a:t>Fourth level</a:t>
             </a:r>
           </a:p>
           <a:p>
             <a:pPr lvl="4"/>
             <a:r>
-              <a:rPr lang="en-US" altLang="zh-CN" smtClean="0"/>
+              <a:rPr lang="en-US" altLang="zh-CN"/>
               <a:t>Fifth level</a:t>
             </a:r>
           </a:p>
@@ -9115,7 +8896,7 @@
               <a:pPr>
                 <a:defRPr/>
               </a:pPr>
-              <a:t>11/23/2015</a:t>
+              <a:t>6/11/2017</a:t>
             </a:fld>
             <a:endParaRPr lang="en-US" altLang="zh-CN"/>
           </a:p>
@@ -9278,14 +9059,6 @@
     <p:sldLayoutId id="2147483775" r:id="rId10"/>
     <p:sldLayoutId id="2147483776" r:id="rId11"/>
   </p:sldLayoutIdLst>
-  <mc:AlternateContent xmlns:mc="http://schemas.openxmlformats.org/markup-compatibility/2006">
-    <mc:Choice xmlns:p14="http://schemas.microsoft.com/office/powerpoint/2010/main" Requires="p14">
-      <p:transition spd="slow" p14:dur="2000"/>
-    </mc:Choice>
-    <mc:Fallback>
-      <p:transition spd="slow"/>
-    </mc:Fallback>
-  </mc:AlternateContent>
   <p:txStyles>
     <p:titleStyle>
       <a:lvl1pPr algn="ctr" defTabSz="457200" rtl="0" eaLnBrk="0" fontAlgn="base" hangingPunct="0">
@@ -9960,19 +9733,9 @@
                 <a:latin typeface="微软雅黑" panose="020B0503020204020204" pitchFamily="34" charset="-122"/>
                 <a:ea typeface="微软雅黑" panose="020B0503020204020204" pitchFamily="34" charset="-122"/>
               </a:rPr>
-              <a:t>物</a:t>
-            </a:r>
-            <a:r>
-              <a:rPr lang="zh-CN" altLang="en-US" sz="2000" dirty="0" smtClean="0">
-                <a:solidFill>
-                  <a:schemeClr val="tx2"/>
-                </a:solidFill>
-                <a:latin typeface="微软雅黑" panose="020B0503020204020204" pitchFamily="34" charset="-122"/>
-                <a:ea typeface="微软雅黑" panose="020B0503020204020204" pitchFamily="34" charset="-122"/>
-              </a:rPr>
-              <a:t>联网工程学院</a:t>
-            </a:r>
-            <a:endParaRPr lang="en-US" altLang="zh-CN" sz="2000" dirty="0" smtClean="0">
+              <a:t>物联网工程学院</a:t>
+            </a:r>
+            <a:endParaRPr lang="en-US" altLang="zh-CN" sz="2000" dirty="0">
               <a:solidFill>
                 <a:schemeClr val="tx2"/>
               </a:solidFill>
@@ -9999,20 +9762,10 @@
                 <a:latin typeface="微软雅黑" panose="020B0503020204020204" pitchFamily="34" charset="-122"/>
                 <a:ea typeface="微软雅黑" panose="020B0503020204020204" pitchFamily="34" charset="-122"/>
               </a:rPr>
-              <a:t>物</a:t>
-            </a:r>
-            <a:r>
-              <a:rPr lang="zh-CN" altLang="en-US" sz="2000" dirty="0" smtClean="0">
-                <a:solidFill>
-                  <a:schemeClr val="tx2"/>
-                </a:solidFill>
-                <a:latin typeface="微软雅黑" panose="020B0503020204020204" pitchFamily="34" charset="-122"/>
-                <a:ea typeface="微软雅黑" panose="020B0503020204020204" pitchFamily="34" charset="-122"/>
-              </a:rPr>
-              <a:t>联</a:t>
-            </a:r>
-            <a:r>
-              <a:rPr lang="en-US" altLang="zh-CN" sz="2000" dirty="0" smtClean="0">
+              <a:t>物联</a:t>
+            </a:r>
+            <a:r>
+              <a:rPr lang="en-US" altLang="zh-CN" sz="2000" dirty="0">
                 <a:solidFill>
                   <a:schemeClr val="tx2"/>
                 </a:solidFill>
@@ -10022,7 +9775,7 @@
               <a:t>1302</a:t>
             </a:r>
             <a:r>
-              <a:rPr lang="zh-CN" altLang="en-US" sz="2000" dirty="0" smtClean="0">
+              <a:rPr lang="zh-CN" altLang="en-US" sz="2000" dirty="0">
                 <a:solidFill>
                   <a:schemeClr val="tx2"/>
                 </a:solidFill>
@@ -10058,7 +9811,7 @@
                 <a:latin typeface="微软雅黑" panose="020B0503020204020204" pitchFamily="34" charset="-122"/>
                 <a:ea typeface="微软雅黑" panose="020B0503020204020204" pitchFamily="34" charset="-122"/>
               </a:rPr>
-              <a:t>陈巧媛</a:t>
+              <a:t>明坤</a:t>
             </a:r>
           </a:p>
           <a:p>
@@ -10080,35 +9833,8 @@
                 <a:latin typeface="微软雅黑" panose="020B0503020204020204" pitchFamily="34" charset="-122"/>
                 <a:ea typeface="微软雅黑" panose="020B0503020204020204" pitchFamily="34" charset="-122"/>
               </a:rPr>
-              <a:t>201</a:t>
-            </a:r>
-            <a:r>
-              <a:rPr lang="zh-CN" altLang="en-US" sz="2000" dirty="0">
-                <a:solidFill>
-                  <a:schemeClr val="tx2"/>
-                </a:solidFill>
-                <a:latin typeface="微软雅黑" panose="020B0503020204020204" pitchFamily="34" charset="-122"/>
-                <a:ea typeface="微软雅黑" panose="020B0503020204020204" pitchFamily="34" charset="-122"/>
-              </a:rPr>
-              <a:t>5</a:t>
-            </a:r>
-            <a:r>
-              <a:rPr lang="en-US" altLang="zh-CN" sz="2000" dirty="0" smtClean="0">
-                <a:solidFill>
-                  <a:schemeClr val="tx2"/>
-                </a:solidFill>
-                <a:latin typeface="微软雅黑" panose="020B0503020204020204" pitchFamily="34" charset="-122"/>
-                <a:ea typeface="微软雅黑" panose="020B0503020204020204" pitchFamily="34" charset="-122"/>
-              </a:rPr>
-              <a:t>.11.25</a:t>
-            </a:r>
-            <a:endParaRPr lang="en-US" altLang="zh-CN" sz="2000" dirty="0">
-              <a:solidFill>
-                <a:schemeClr val="tx2"/>
-              </a:solidFill>
-              <a:latin typeface="微软雅黑" panose="020B0503020204020204" pitchFamily="34" charset="-122"/>
-              <a:ea typeface="微软雅黑" panose="020B0503020204020204" pitchFamily="34" charset="-122"/>
-            </a:endParaRPr>
+              <a:t>2017.6.12</a:t>
+            </a:r>
           </a:p>
         </p:txBody>
       </p:sp>
@@ -10279,16 +10005,12 @@
               </a:lnSpc>
             </a:pPr>
             <a:r>
-              <a:rPr lang="zh-CN" altLang="en-US" sz="4000" b="1" dirty="0" smtClean="0">
+              <a:rPr lang="zh-CN" altLang="en-US" sz="4000" b="1" dirty="0">
                 <a:latin typeface="微软雅黑" panose="020B0503020204020204" pitchFamily="34" charset="-122"/>
                 <a:ea typeface="微软雅黑" panose="020B0503020204020204" pitchFamily="34" charset="-122"/>
               </a:rPr>
               <a:t>预备党员</a:t>
             </a:r>
-            <a:endParaRPr lang="zh-CN" altLang="en-US" sz="4000" b="1" dirty="0">
-              <a:latin typeface="微软雅黑" panose="020B0503020204020204" pitchFamily="34" charset="-122"/>
-              <a:ea typeface="微软雅黑" panose="020B0503020204020204" pitchFamily="34" charset="-122"/>
-            </a:endParaRPr>
           </a:p>
           <a:p>
             <a:pPr algn="ctr" eaLnBrk="1" hangingPunct="1">
@@ -10297,16 +10019,12 @@
               </a:lnSpc>
             </a:pPr>
             <a:r>
-              <a:rPr lang="zh-CN" altLang="en-US" sz="4800" b="1" dirty="0" smtClean="0">
+              <a:rPr lang="zh-CN" altLang="en-US" sz="4800" b="1" dirty="0">
                 <a:latin typeface="微软雅黑" panose="020B0503020204020204" pitchFamily="34" charset="-122"/>
                 <a:ea typeface="微软雅黑" panose="020B0503020204020204" pitchFamily="34" charset="-122"/>
               </a:rPr>
               <a:t>转正答辩</a:t>
             </a:r>
-            <a:endParaRPr lang="zh-CN" altLang="en-US" sz="4800" b="1" dirty="0">
-              <a:latin typeface="微软雅黑" panose="020B0503020204020204" pitchFamily="34" charset="-122"/>
-              <a:ea typeface="微软雅黑" panose="020B0503020204020204" pitchFamily="34" charset="-122"/>
-            </a:endParaRPr>
           </a:p>
         </p:txBody>
       </p:sp>
@@ -10327,836 +10045,10 @@
       </p:transition>
     </mc:Fallback>
   </mc:AlternateContent>
-  <p:timing>
-    <p:tnLst>
-      <p:par>
-        <p:cTn id="1" dur="indefinite" restart="never" nodeType="tmRoot"/>
-      </p:par>
-    </p:tnLst>
-  </p:timing>
 </p:sld>
 </file>
 
 <file path=ppt/slides/slide10.xml><?xml version="1.0" encoding="utf-8"?>
-<p:sld xmlns:a="http://schemas.openxmlformats.org/drawingml/2006/main" xmlns:r="http://schemas.openxmlformats.org/officeDocument/2006/relationships" xmlns:p="http://schemas.openxmlformats.org/presentationml/2006/main">
-  <p:cSld>
-    <p:spTree>
-      <p:nvGrpSpPr>
-        <p:cNvPr id="1" name=""/>
-        <p:cNvGrpSpPr/>
-        <p:nvPr/>
-      </p:nvGrpSpPr>
-      <p:grpSpPr>
-        <a:xfrm>
-          <a:off x="0" y="0"/>
-          <a:ext cx="0" cy="0"/>
-          <a:chOff x="0" y="0"/>
-          <a:chExt cx="0" cy="0"/>
-        </a:xfrm>
-      </p:grpSpPr>
-      <p:grpSp>
-        <p:nvGrpSpPr>
-          <p:cNvPr id="10" name="组合 9"/>
-          <p:cNvGrpSpPr/>
-          <p:nvPr/>
-        </p:nvGrpSpPr>
-        <p:grpSpPr>
-          <a:xfrm>
-            <a:off x="304803" y="1306284"/>
-            <a:ext cx="2167563" cy="725713"/>
-            <a:chOff x="304803" y="1306284"/>
-            <a:chExt cx="2167563" cy="725713"/>
-          </a:xfrm>
-        </p:grpSpPr>
-        <p:sp>
-          <p:nvSpPr>
-            <p:cNvPr id="2" name="矩形 1"/>
-            <p:cNvSpPr/>
-            <p:nvPr/>
-          </p:nvSpPr>
-          <p:spPr bwMode="auto">
-            <a:xfrm>
-              <a:off x="304803" y="1306284"/>
-              <a:ext cx="2167563" cy="711553"/>
-            </a:xfrm>
-            <a:prstGeom prst="rect">
-              <a:avLst/>
-            </a:prstGeom>
-            <a:solidFill>
-              <a:srgbClr val="E20000"/>
-            </a:solidFill>
-            <a:ln w="12700" cap="flat" cmpd="sng" algn="ctr">
-              <a:noFill/>
-              <a:prstDash val="solid"/>
-              <a:round/>
-              <a:headEnd type="none" w="med" len="med"/>
-              <a:tailEnd type="none" w="med" len="med"/>
-            </a:ln>
-            <a:effectLst>
-              <a:outerShdw blurRad="50800" dist="38100" dir="2700000" algn="tl" rotWithShape="0">
-                <a:prstClr val="black">
-                  <a:alpha val="40000"/>
-                </a:prstClr>
-              </a:outerShdw>
-            </a:effectLst>
-          </p:spPr>
-          <p:txBody>
-            <a:bodyPr vert="horz" wrap="square" lIns="91440" tIns="45720" rIns="91440" bIns="45720" numCol="1" rtlCol="0" anchor="t" anchorCtr="0" compatLnSpc="1">
-              <a:prstTxWarp prst="textNoShape">
-                <a:avLst/>
-              </a:prstTxWarp>
-            </a:bodyPr>
-            <a:lstStyle/>
-            <a:p>
-              <a:pPr marL="0" marR="0" indent="0" algn="l" defTabSz="457200" rtl="0" eaLnBrk="1" fontAlgn="base" latinLnBrk="0" hangingPunct="1">
-                <a:lnSpc>
-                  <a:spcPct val="100000"/>
-                </a:lnSpc>
-                <a:spcBef>
-                  <a:spcPct val="0"/>
-                </a:spcBef>
-                <a:spcAft>
-                  <a:spcPct val="0"/>
-                </a:spcAft>
-                <a:buClrTx/>
-                <a:buSzTx/>
-                <a:buFont typeface="Arial" panose="020B0604020202020204" pitchFamily="34" charset="0"/>
-                <a:buNone/>
-                <a:tabLst/>
-              </a:pPr>
-              <a:endParaRPr kumimoji="0" lang="zh-CN" altLang="en-US" sz="1800" b="1" i="0" u="none" strike="noStrike" normalizeH="0" baseline="0" smtClean="0">
-                <a:ln w="22225">
-                  <a:solidFill>
-                    <a:schemeClr val="accent2"/>
-                  </a:solidFill>
-                  <a:prstDash val="solid"/>
-                </a:ln>
-                <a:solidFill>
-                  <a:schemeClr val="accent2">
-                    <a:lumMod val="40000"/>
-                    <a:lumOff val="60000"/>
-                  </a:schemeClr>
-                </a:solidFill>
-                <a:latin typeface="Calibri" panose="020F0502020204030204" pitchFamily="34" charset="0"/>
-                <a:ea typeface="宋体" panose="02010600030101010101" pitchFamily="2" charset="-122"/>
-              </a:endParaRPr>
-            </a:p>
-          </p:txBody>
-        </p:sp>
-        <p:sp>
-          <p:nvSpPr>
-            <p:cNvPr id="3" name="文本框 2"/>
-            <p:cNvSpPr txBox="1"/>
-            <p:nvPr/>
-          </p:nvSpPr>
-          <p:spPr>
-            <a:xfrm>
-              <a:off x="851409" y="1508777"/>
-              <a:ext cx="1620957" cy="523220"/>
-            </a:xfrm>
-            <a:prstGeom prst="rect">
-              <a:avLst/>
-            </a:prstGeom>
-            <a:noFill/>
-          </p:spPr>
-          <p:txBody>
-            <a:bodyPr wrap="none" rtlCol="0">
-              <a:spAutoFit/>
-            </a:bodyPr>
-            <a:lstStyle/>
-            <a:p>
-              <a:r>
-                <a:rPr lang="zh-CN" altLang="en-US" sz="2800" b="1" dirty="0" smtClean="0">
-                  <a:solidFill>
-                    <a:schemeClr val="bg1"/>
-                  </a:solidFill>
-                  <a:latin typeface="微软雅黑" panose="020B0503020204020204" pitchFamily="34" charset="-122"/>
-                  <a:ea typeface="微软雅黑" panose="020B0503020204020204" pitchFamily="34" charset="-122"/>
-                </a:rPr>
-                <a:t>生活方面</a:t>
-              </a:r>
-              <a:endParaRPr lang="en-US" altLang="zh-CN" sz="2800" b="1" dirty="0" smtClean="0">
-                <a:solidFill>
-                  <a:schemeClr val="bg1"/>
-                </a:solidFill>
-                <a:latin typeface="微软雅黑" panose="020B0503020204020204" pitchFamily="34" charset="-122"/>
-                <a:ea typeface="微软雅黑" panose="020B0503020204020204" pitchFamily="34" charset="-122"/>
-              </a:endParaRPr>
-            </a:p>
-          </p:txBody>
-        </p:sp>
-      </p:grpSp>
-      <p:pic>
-        <p:nvPicPr>
-          <p:cNvPr id="5" name="图片 4"/>
-          <p:cNvPicPr>
-            <a:picLocks noChangeAspect="1"/>
-          </p:cNvPicPr>
-          <p:nvPr/>
-        </p:nvPicPr>
-        <p:blipFill rotWithShape="1">
-          <a:blip r:embed="rId2" cstate="print">
-            <a:extLst>
-              <a:ext uri="{28A0092B-C50C-407E-A947-70E740481C1C}">
-                <a14:useLocalDpi xmlns:a14="http://schemas.microsoft.com/office/drawing/2010/main" val="0"/>
-              </a:ext>
-            </a:extLst>
-          </a:blip>
-          <a:srcRect l="29701" t="2919" r="25022" b="22187"/>
-          <a:stretch/>
-        </p:blipFill>
-        <p:spPr>
-          <a:xfrm>
-            <a:off x="67785" y="2443056"/>
-            <a:ext cx="2641597" cy="3277133"/>
-          </a:xfrm>
-          <a:prstGeom prst="rect">
-            <a:avLst/>
-          </a:prstGeom>
-        </p:spPr>
-      </p:pic>
-      <p:pic>
-        <p:nvPicPr>
-          <p:cNvPr id="6" name="图片 5"/>
-          <p:cNvPicPr>
-            <a:picLocks noChangeAspect="1"/>
-          </p:cNvPicPr>
-          <p:nvPr/>
-        </p:nvPicPr>
-        <p:blipFill rotWithShape="1">
-          <a:blip r:embed="rId3" cstate="print">
-            <a:extLst>
-              <a:ext uri="{28A0092B-C50C-407E-A947-70E740481C1C}">
-                <a14:useLocalDpi xmlns:a14="http://schemas.microsoft.com/office/drawing/2010/main" val="0"/>
-              </a:ext>
-            </a:extLst>
-          </a:blip>
-          <a:srcRect l="7936" r="19365" b="7423"/>
-          <a:stretch/>
-        </p:blipFill>
-        <p:spPr>
-          <a:xfrm>
-            <a:off x="304803" y="3125326"/>
-            <a:ext cx="3625746" cy="2594863"/>
-          </a:xfrm>
-          <a:prstGeom prst="rect">
-            <a:avLst/>
-          </a:prstGeom>
-        </p:spPr>
-      </p:pic>
-      <p:pic>
-        <p:nvPicPr>
-          <p:cNvPr id="7" name="图片 6"/>
-          <p:cNvPicPr>
-            <a:picLocks noChangeAspect="1"/>
-          </p:cNvPicPr>
-          <p:nvPr/>
-        </p:nvPicPr>
-        <p:blipFill rotWithShape="1">
-          <a:blip r:embed="rId4" cstate="print">
-            <a:extLst>
-              <a:ext uri="{28A0092B-C50C-407E-A947-70E740481C1C}">
-                <a14:useLocalDpi xmlns:a14="http://schemas.microsoft.com/office/drawing/2010/main" val="0"/>
-              </a:ext>
-            </a:extLst>
-          </a:blip>
-          <a:srcRect l="3334" t="9735" r="15873" b="32487"/>
-          <a:stretch/>
-        </p:blipFill>
-        <p:spPr>
-          <a:xfrm>
-            <a:off x="834418" y="4081622"/>
-            <a:ext cx="5312229" cy="2849192"/>
-          </a:xfrm>
-          <a:prstGeom prst="rect">
-            <a:avLst/>
-          </a:prstGeom>
-        </p:spPr>
-      </p:pic>
-      <p:grpSp>
-        <p:nvGrpSpPr>
-          <p:cNvPr id="9" name="组合 8"/>
-          <p:cNvGrpSpPr/>
-          <p:nvPr/>
-        </p:nvGrpSpPr>
-        <p:grpSpPr>
-          <a:xfrm>
-            <a:off x="4067782" y="1508777"/>
-            <a:ext cx="4895953" cy="4654424"/>
-            <a:chOff x="3930548" y="1318984"/>
-            <a:chExt cx="4895953" cy="4654424"/>
-          </a:xfrm>
-        </p:grpSpPr>
-        <p:sp>
-          <p:nvSpPr>
-            <p:cNvPr id="4" name="文本框 3"/>
-            <p:cNvSpPr txBox="1"/>
-            <p:nvPr/>
-          </p:nvSpPr>
-          <p:spPr>
-            <a:xfrm>
-              <a:off x="3930548" y="1318984"/>
-              <a:ext cx="4895953" cy="2554545"/>
-            </a:xfrm>
-            <a:prstGeom prst="rect">
-              <a:avLst/>
-            </a:prstGeom>
-            <a:noFill/>
-          </p:spPr>
-          <p:txBody>
-            <a:bodyPr wrap="square" rtlCol="0">
-              <a:spAutoFit/>
-            </a:bodyPr>
-            <a:lstStyle/>
-            <a:p>
-              <a:pPr>
-                <a:lnSpc>
-                  <a:spcPct val="200000"/>
-                </a:lnSpc>
-              </a:pPr>
-              <a:r>
-                <a:rPr lang="en-US" altLang="zh-CN" sz="2000" dirty="0" smtClean="0">
-                  <a:latin typeface="微软雅黑" panose="020B0503020204020204" pitchFamily="34" charset="-122"/>
-                  <a:ea typeface="微软雅黑" panose="020B0503020204020204" pitchFamily="34" charset="-122"/>
-                </a:rPr>
-                <a:t>	</a:t>
-              </a:r>
-              <a:r>
-                <a:rPr lang="zh-CN" altLang="zh-CN" sz="2000" dirty="0" smtClean="0">
-                  <a:latin typeface="微软雅黑" panose="020B0503020204020204" pitchFamily="34" charset="-122"/>
-                  <a:ea typeface="微软雅黑" panose="020B0503020204020204" pitchFamily="34" charset="-122"/>
-                </a:rPr>
-                <a:t>作为</a:t>
-              </a:r>
-              <a:r>
-                <a:rPr lang="zh-CN" altLang="zh-CN" sz="2000" dirty="0">
-                  <a:latin typeface="微软雅黑" panose="020B0503020204020204" pitchFamily="34" charset="-122"/>
-                  <a:ea typeface="微软雅黑" panose="020B0503020204020204" pitchFamily="34" charset="-122"/>
-                </a:rPr>
-                <a:t>大学生党员，更要要带头树立良好的生活作风还必须从身边的小事做起，通过日常生活中的点滴，与同学建立和睦融洽的感情，尊重他人，善待他人，常</a:t>
-              </a:r>
-              <a:r>
-                <a:rPr lang="zh-CN" altLang="zh-CN" sz="2000" dirty="0" smtClean="0">
-                  <a:latin typeface="微软雅黑" panose="020B0503020204020204" pitchFamily="34" charset="-122"/>
-                  <a:ea typeface="微软雅黑" panose="020B0503020204020204" pitchFamily="34" charset="-122"/>
-                </a:rPr>
-                <a:t>与</a:t>
-              </a:r>
-              <a:endParaRPr lang="zh-CN" altLang="en-US" sz="2000" dirty="0">
-                <a:latin typeface="微软雅黑" panose="020B0503020204020204" pitchFamily="34" charset="-122"/>
-                <a:ea typeface="微软雅黑" panose="020B0503020204020204" pitchFamily="34" charset="-122"/>
-              </a:endParaRPr>
-            </a:p>
-          </p:txBody>
-        </p:sp>
-        <p:sp>
-          <p:nvSpPr>
-            <p:cNvPr id="8" name="文本框 7"/>
-            <p:cNvSpPr txBox="1"/>
-            <p:nvPr/>
-          </p:nvSpPr>
-          <p:spPr>
-            <a:xfrm>
-              <a:off x="6226630" y="3757417"/>
-              <a:ext cx="2512787" cy="2215991"/>
-            </a:xfrm>
-            <a:prstGeom prst="rect">
-              <a:avLst/>
-            </a:prstGeom>
-            <a:noFill/>
-          </p:spPr>
-          <p:txBody>
-            <a:bodyPr wrap="square" rtlCol="0">
-              <a:spAutoFit/>
-            </a:bodyPr>
-            <a:lstStyle/>
-            <a:p>
-              <a:pPr>
-                <a:lnSpc>
-                  <a:spcPct val="200000"/>
-                </a:lnSpc>
-              </a:pPr>
-              <a:r>
-                <a:rPr lang="zh-CN" altLang="zh-CN" sz="2000" dirty="0">
-                  <a:latin typeface="微软雅黑" panose="020B0503020204020204" pitchFamily="34" charset="-122"/>
-                  <a:ea typeface="微软雅黑" panose="020B0503020204020204" pitchFamily="34" charset="-122"/>
-                </a:rPr>
-                <a:t>他人沟通，了解同学们的困难与需求，</a:t>
-              </a:r>
-              <a:r>
-                <a:rPr lang="zh-CN" altLang="zh-CN" sz="2000" dirty="0" smtClean="0">
-                  <a:latin typeface="微软雅黑" panose="020B0503020204020204" pitchFamily="34" charset="-122"/>
-                  <a:ea typeface="微软雅黑" panose="020B0503020204020204" pitchFamily="34" charset="-122"/>
-                </a:rPr>
-                <a:t>并帮助</a:t>
-              </a:r>
-              <a:r>
-                <a:rPr lang="zh-CN" altLang="zh-CN" sz="2000" dirty="0">
-                  <a:latin typeface="微软雅黑" panose="020B0503020204020204" pitchFamily="34" charset="-122"/>
-                  <a:ea typeface="微软雅黑" panose="020B0503020204020204" pitchFamily="34" charset="-122"/>
-                </a:rPr>
-                <a:t>他们解决。</a:t>
-              </a:r>
-              <a:endParaRPr lang="zh-CN" altLang="en-US" sz="2000" dirty="0">
-                <a:latin typeface="微软雅黑" panose="020B0503020204020204" pitchFamily="34" charset="-122"/>
-                <a:ea typeface="微软雅黑" panose="020B0503020204020204" pitchFamily="34" charset="-122"/>
-              </a:endParaRPr>
-            </a:p>
-            <a:p>
-              <a:endParaRPr lang="zh-CN" altLang="en-US" dirty="0"/>
-            </a:p>
-          </p:txBody>
-        </p:sp>
-      </p:grpSp>
-    </p:spTree>
-    <p:extLst>
-      <p:ext uri="{BB962C8B-B14F-4D97-AF65-F5344CB8AC3E}">
-        <p14:creationId xmlns:p14="http://schemas.microsoft.com/office/powerpoint/2010/main" val="3018911155"/>
-      </p:ext>
-    </p:extLst>
-  </p:cSld>
-  <p:clrMapOvr>
-    <a:masterClrMapping/>
-  </p:clrMapOvr>
-  <p:transition spd="slow">
-    <p:push dir="u"/>
-  </p:transition>
-  <p:timing>
-    <p:tnLst>
-      <p:par>
-        <p:cTn id="1" dur="indefinite" restart="never" nodeType="tmRoot">
-          <p:childTnLst>
-            <p:seq concurrent="1" nextAc="seek">
-              <p:cTn id="2" dur="indefinite" nodeType="mainSeq">
-                <p:childTnLst>
-                  <p:par>
-                    <p:cTn id="3" fill="hold">
-                      <p:stCondLst>
-                        <p:cond delay="indefinite"/>
-                        <p:cond evt="onBegin" delay="0">
-                          <p:tn val="2"/>
-                        </p:cond>
-                      </p:stCondLst>
-                      <p:childTnLst>
-                        <p:par>
-                          <p:cTn id="4" fill="hold">
-                            <p:stCondLst>
-                              <p:cond delay="0"/>
-                            </p:stCondLst>
-                            <p:childTnLst>
-                              <p:par>
-                                <p:cTn id="5" presetID="2" presetClass="entr" presetSubtype="8" fill="hold" nodeType="afterEffect">
-                                  <p:stCondLst>
-                                    <p:cond delay="0"/>
-                                  </p:stCondLst>
-                                  <p:childTnLst>
-                                    <p:set>
-                                      <p:cBhvr>
-                                        <p:cTn id="6" dur="1" fill="hold">
-                                          <p:stCondLst>
-                                            <p:cond delay="0"/>
-                                          </p:stCondLst>
-                                        </p:cTn>
-                                        <p:tgtEl>
-                                          <p:spTgt spid="10"/>
-                                        </p:tgtEl>
-                                        <p:attrNameLst>
-                                          <p:attrName>style.visibility</p:attrName>
-                                        </p:attrNameLst>
-                                      </p:cBhvr>
-                                      <p:to>
-                                        <p:strVal val="visible"/>
-                                      </p:to>
-                                    </p:set>
-                                    <p:anim calcmode="lin" valueType="num">
-                                      <p:cBhvr additive="base">
-                                        <p:cTn id="7" dur="500" fill="hold"/>
-                                        <p:tgtEl>
-                                          <p:spTgt spid="10"/>
-                                        </p:tgtEl>
-                                        <p:attrNameLst>
-                                          <p:attrName>ppt_x</p:attrName>
-                                        </p:attrNameLst>
-                                      </p:cBhvr>
-                                      <p:tavLst>
-                                        <p:tav tm="0">
-                                          <p:val>
-                                            <p:strVal val="0-#ppt_w/2"/>
-                                          </p:val>
-                                        </p:tav>
-                                        <p:tav tm="100000">
-                                          <p:val>
-                                            <p:strVal val="#ppt_x"/>
-                                          </p:val>
-                                        </p:tav>
-                                      </p:tavLst>
-                                    </p:anim>
-                                    <p:anim calcmode="lin" valueType="num">
-                                      <p:cBhvr additive="base">
-                                        <p:cTn id="8" dur="500" fill="hold"/>
-                                        <p:tgtEl>
-                                          <p:spTgt spid="10"/>
-                                        </p:tgtEl>
-                                        <p:attrNameLst>
-                                          <p:attrName>ppt_y</p:attrName>
-                                        </p:attrNameLst>
-                                      </p:cBhvr>
-                                      <p:tavLst>
-                                        <p:tav tm="0">
-                                          <p:val>
-                                            <p:strVal val="#ppt_y"/>
-                                          </p:val>
-                                        </p:tav>
-                                        <p:tav tm="100000">
-                                          <p:val>
-                                            <p:strVal val="#ppt_y"/>
-                                          </p:val>
-                                        </p:tav>
-                                      </p:tavLst>
-                                    </p:anim>
-                                  </p:childTnLst>
-                                </p:cTn>
-                              </p:par>
-                            </p:childTnLst>
-                          </p:cTn>
-                        </p:par>
-                        <p:par>
-                          <p:cTn id="9" fill="hold">
-                            <p:stCondLst>
-                              <p:cond delay="500"/>
-                            </p:stCondLst>
-                            <p:childTnLst>
-                              <p:par>
-                                <p:cTn id="10" presetID="10" presetClass="entr" presetSubtype="0" fill="hold" nodeType="afterEffect">
-                                  <p:stCondLst>
-                                    <p:cond delay="0"/>
-                                  </p:stCondLst>
-                                  <p:childTnLst>
-                                    <p:set>
-                                      <p:cBhvr>
-                                        <p:cTn id="11" dur="1" fill="hold">
-                                          <p:stCondLst>
-                                            <p:cond delay="0"/>
-                                          </p:stCondLst>
-                                        </p:cTn>
-                                        <p:tgtEl>
-                                          <p:spTgt spid="9"/>
-                                        </p:tgtEl>
-                                        <p:attrNameLst>
-                                          <p:attrName>style.visibility</p:attrName>
-                                        </p:attrNameLst>
-                                      </p:cBhvr>
-                                      <p:to>
-                                        <p:strVal val="visible"/>
-                                      </p:to>
-                                    </p:set>
-                                    <p:animEffect transition="in" filter="fade">
-                                      <p:cBhvr>
-                                        <p:cTn id="12" dur="500"/>
-                                        <p:tgtEl>
-                                          <p:spTgt spid="9"/>
-                                        </p:tgtEl>
-                                      </p:cBhvr>
-                                    </p:animEffect>
-                                  </p:childTnLst>
-                                </p:cTn>
-                              </p:par>
-                            </p:childTnLst>
-                          </p:cTn>
-                        </p:par>
-                        <p:par>
-                          <p:cTn id="13" fill="hold">
-                            <p:stCondLst>
-                              <p:cond delay="1000"/>
-                            </p:stCondLst>
-                            <p:childTnLst>
-                              <p:par>
-                                <p:cTn id="14" presetID="2" presetClass="entr" presetSubtype="4" fill="hold" nodeType="afterEffect">
-                                  <p:stCondLst>
-                                    <p:cond delay="0"/>
-                                  </p:stCondLst>
-                                  <p:childTnLst>
-                                    <p:set>
-                                      <p:cBhvr>
-                                        <p:cTn id="15" dur="1" fill="hold">
-                                          <p:stCondLst>
-                                            <p:cond delay="0"/>
-                                          </p:stCondLst>
-                                        </p:cTn>
-                                        <p:tgtEl>
-                                          <p:spTgt spid="5"/>
-                                        </p:tgtEl>
-                                        <p:attrNameLst>
-                                          <p:attrName>style.visibility</p:attrName>
-                                        </p:attrNameLst>
-                                      </p:cBhvr>
-                                      <p:to>
-                                        <p:strVal val="visible"/>
-                                      </p:to>
-                                    </p:set>
-                                    <p:anim calcmode="lin" valueType="num">
-                                      <p:cBhvr additive="base">
-                                        <p:cTn id="16" dur="500" fill="hold"/>
-                                        <p:tgtEl>
-                                          <p:spTgt spid="5"/>
-                                        </p:tgtEl>
-                                        <p:attrNameLst>
-                                          <p:attrName>ppt_x</p:attrName>
-                                        </p:attrNameLst>
-                                      </p:cBhvr>
-                                      <p:tavLst>
-                                        <p:tav tm="0">
-                                          <p:val>
-                                            <p:strVal val="#ppt_x"/>
-                                          </p:val>
-                                        </p:tav>
-                                        <p:tav tm="100000">
-                                          <p:val>
-                                            <p:strVal val="#ppt_x"/>
-                                          </p:val>
-                                        </p:tav>
-                                      </p:tavLst>
-                                    </p:anim>
-                                    <p:anim calcmode="lin" valueType="num">
-                                      <p:cBhvr additive="base">
-                                        <p:cTn id="17" dur="500" fill="hold"/>
-                                        <p:tgtEl>
-                                          <p:spTgt spid="5"/>
-                                        </p:tgtEl>
-                                        <p:attrNameLst>
-                                          <p:attrName>ppt_y</p:attrName>
-                                        </p:attrNameLst>
-                                      </p:cBhvr>
-                                      <p:tavLst>
-                                        <p:tav tm="0">
-                                          <p:val>
-                                            <p:strVal val="1+#ppt_h/2"/>
-                                          </p:val>
-                                        </p:tav>
-                                        <p:tav tm="100000">
-                                          <p:val>
-                                            <p:strVal val="#ppt_y"/>
-                                          </p:val>
-                                        </p:tav>
-                                      </p:tavLst>
-                                    </p:anim>
-                                  </p:childTnLst>
-                                </p:cTn>
-                              </p:par>
-                            </p:childTnLst>
-                          </p:cTn>
-                        </p:par>
-                      </p:childTnLst>
-                    </p:cTn>
-                  </p:par>
-                  <p:par>
-                    <p:cTn id="18" fill="hold">
-                      <p:stCondLst>
-                        <p:cond delay="indefinite"/>
-                      </p:stCondLst>
-                      <p:childTnLst>
-                        <p:par>
-                          <p:cTn id="19" fill="hold">
-                            <p:stCondLst>
-                              <p:cond delay="0"/>
-                            </p:stCondLst>
-                            <p:childTnLst>
-                              <p:par>
-                                <p:cTn id="20" presetID="2" presetClass="entr" presetSubtype="4" fill="hold" nodeType="clickEffect">
-                                  <p:stCondLst>
-                                    <p:cond delay="0"/>
-                                  </p:stCondLst>
-                                  <p:childTnLst>
-                                    <p:set>
-                                      <p:cBhvr>
-                                        <p:cTn id="21" dur="1" fill="hold">
-                                          <p:stCondLst>
-                                            <p:cond delay="0"/>
-                                          </p:stCondLst>
-                                        </p:cTn>
-                                        <p:tgtEl>
-                                          <p:spTgt spid="6"/>
-                                        </p:tgtEl>
-                                        <p:attrNameLst>
-                                          <p:attrName>style.visibility</p:attrName>
-                                        </p:attrNameLst>
-                                      </p:cBhvr>
-                                      <p:to>
-                                        <p:strVal val="visible"/>
-                                      </p:to>
-                                    </p:set>
-                                    <p:anim calcmode="lin" valueType="num">
-                                      <p:cBhvr additive="base">
-                                        <p:cTn id="22" dur="500" fill="hold"/>
-                                        <p:tgtEl>
-                                          <p:spTgt spid="6"/>
-                                        </p:tgtEl>
-                                        <p:attrNameLst>
-                                          <p:attrName>ppt_x</p:attrName>
-                                        </p:attrNameLst>
-                                      </p:cBhvr>
-                                      <p:tavLst>
-                                        <p:tav tm="0">
-                                          <p:val>
-                                            <p:strVal val="#ppt_x"/>
-                                          </p:val>
-                                        </p:tav>
-                                        <p:tav tm="100000">
-                                          <p:val>
-                                            <p:strVal val="#ppt_x"/>
-                                          </p:val>
-                                        </p:tav>
-                                      </p:tavLst>
-                                    </p:anim>
-                                    <p:anim calcmode="lin" valueType="num">
-                                      <p:cBhvr additive="base">
-                                        <p:cTn id="23" dur="500" fill="hold"/>
-                                        <p:tgtEl>
-                                          <p:spTgt spid="6"/>
-                                        </p:tgtEl>
-                                        <p:attrNameLst>
-                                          <p:attrName>ppt_y</p:attrName>
-                                        </p:attrNameLst>
-                                      </p:cBhvr>
-                                      <p:tavLst>
-                                        <p:tav tm="0">
-                                          <p:val>
-                                            <p:strVal val="1+#ppt_h/2"/>
-                                          </p:val>
-                                        </p:tav>
-                                        <p:tav tm="100000">
-                                          <p:val>
-                                            <p:strVal val="#ppt_y"/>
-                                          </p:val>
-                                        </p:tav>
-                                      </p:tavLst>
-                                    </p:anim>
-                                  </p:childTnLst>
-                                </p:cTn>
-                              </p:par>
-                            </p:childTnLst>
-                          </p:cTn>
-                        </p:par>
-                      </p:childTnLst>
-                    </p:cTn>
-                  </p:par>
-                  <p:par>
-                    <p:cTn id="24" fill="hold">
-                      <p:stCondLst>
-                        <p:cond delay="indefinite"/>
-                      </p:stCondLst>
-                      <p:childTnLst>
-                        <p:par>
-                          <p:cTn id="25" fill="hold">
-                            <p:stCondLst>
-                              <p:cond delay="0"/>
-                            </p:stCondLst>
-                            <p:childTnLst>
-                              <p:par>
-                                <p:cTn id="26" presetID="2" presetClass="entr" presetSubtype="4" fill="hold" nodeType="clickEffect">
-                                  <p:stCondLst>
-                                    <p:cond delay="0"/>
-                                  </p:stCondLst>
-                                  <p:childTnLst>
-                                    <p:set>
-                                      <p:cBhvr>
-                                        <p:cTn id="27" dur="1" fill="hold">
-                                          <p:stCondLst>
-                                            <p:cond delay="0"/>
-                                          </p:stCondLst>
-                                        </p:cTn>
-                                        <p:tgtEl>
-                                          <p:spTgt spid="7"/>
-                                        </p:tgtEl>
-                                        <p:attrNameLst>
-                                          <p:attrName>style.visibility</p:attrName>
-                                        </p:attrNameLst>
-                                      </p:cBhvr>
-                                      <p:to>
-                                        <p:strVal val="visible"/>
-                                      </p:to>
-                                    </p:set>
-                                    <p:anim calcmode="lin" valueType="num">
-                                      <p:cBhvr additive="base">
-                                        <p:cTn id="28" dur="500" fill="hold"/>
-                                        <p:tgtEl>
-                                          <p:spTgt spid="7"/>
-                                        </p:tgtEl>
-                                        <p:attrNameLst>
-                                          <p:attrName>ppt_x</p:attrName>
-                                        </p:attrNameLst>
-                                      </p:cBhvr>
-                                      <p:tavLst>
-                                        <p:tav tm="0">
-                                          <p:val>
-                                            <p:strVal val="#ppt_x"/>
-                                          </p:val>
-                                        </p:tav>
-                                        <p:tav tm="100000">
-                                          <p:val>
-                                            <p:strVal val="#ppt_x"/>
-                                          </p:val>
-                                        </p:tav>
-                                      </p:tavLst>
-                                    </p:anim>
-                                    <p:anim calcmode="lin" valueType="num">
-                                      <p:cBhvr additive="base">
-                                        <p:cTn id="29" dur="500" fill="hold"/>
-                                        <p:tgtEl>
-                                          <p:spTgt spid="7"/>
-                                        </p:tgtEl>
-                                        <p:attrNameLst>
-                                          <p:attrName>ppt_y</p:attrName>
-                                        </p:attrNameLst>
-                                      </p:cBhvr>
-                                      <p:tavLst>
-                                        <p:tav tm="0">
-                                          <p:val>
-                                            <p:strVal val="1+#ppt_h/2"/>
-                                          </p:val>
-                                        </p:tav>
-                                        <p:tav tm="100000">
-                                          <p:val>
-                                            <p:strVal val="#ppt_y"/>
-                                          </p:val>
-                                        </p:tav>
-                                      </p:tavLst>
-                                    </p:anim>
-                                  </p:childTnLst>
-                                </p:cTn>
-                              </p:par>
-                            </p:childTnLst>
-                          </p:cTn>
-                        </p:par>
-                      </p:childTnLst>
-                    </p:cTn>
-                  </p:par>
-                </p:childTnLst>
-              </p:cTn>
-              <p:prevCondLst>
-                <p:cond evt="onPrev" delay="0">
-                  <p:tgtEl>
-                    <p:sldTgt/>
-                  </p:tgtEl>
-                </p:cond>
-              </p:prevCondLst>
-              <p:nextCondLst>
-                <p:cond evt="onNext" delay="0">
-                  <p:tgtEl>
-                    <p:sldTgt/>
-                  </p:tgtEl>
-                </p:cond>
-              </p:nextCondLst>
-            </p:seq>
-          </p:childTnLst>
-        </p:cTn>
-      </p:par>
-    </p:tnLst>
-  </p:timing>
-</p:sld>
-</file>
-
-<file path=ppt/slides/slide11.xml><?xml version="1.0" encoding="utf-8"?>
 <p:sld xmlns:a="http://schemas.openxmlformats.org/drawingml/2006/main" xmlns:r="http://schemas.openxmlformats.org/officeDocument/2006/relationships" xmlns:p="http://schemas.openxmlformats.org/presentationml/2006/main">
   <p:cSld>
     <p:spTree>
@@ -11230,7 +10122,7 @@
               <a:defRPr/>
             </a:pPr>
             <a:r>
-              <a:rPr lang="zh-CN" altLang="en-US" sz="6000" b="1" dirty="0" smtClean="0">
+              <a:rPr lang="zh-CN" altLang="en-US" sz="6000" b="1" dirty="0">
                 <a:solidFill>
                   <a:schemeClr val="bg1">
                     <a:lumMod val="95000"/>
@@ -11248,7 +10140,7 @@
               </a:rPr>
               <a:t>谢谢各位！</a:t>
             </a:r>
-            <a:endParaRPr lang="en-US" altLang="zh-CN" sz="6000" b="1" dirty="0" smtClean="0">
+            <a:endParaRPr lang="en-US" altLang="zh-CN" sz="6000" b="1" dirty="0">
               <a:solidFill>
                 <a:schemeClr val="bg1">
                   <a:lumMod val="95000"/>
@@ -11280,13 +10172,6 @@
   <p:transition spd="slow">
     <p:push dir="u"/>
   </p:transition>
-  <p:timing>
-    <p:tnLst>
-      <p:par>
-        <p:cTn id="1" dur="indefinite" restart="never" nodeType="tmRoot"/>
-      </p:par>
-    </p:tnLst>
-  </p:timing>
 </p:sld>
 </file>
 
@@ -11820,7 +10705,7 @@
               <a:buNone/>
               <a:tabLst/>
             </a:pPr>
-            <a:endParaRPr kumimoji="0" lang="zh-CN" altLang="en-US" sz="1800" b="1" i="0" u="none" strike="noStrike" normalizeH="0" baseline="0" smtClean="0">
+            <a:endParaRPr kumimoji="0" lang="zh-CN" altLang="en-US" sz="1800" b="1" i="0" u="none" strike="noStrike" normalizeH="0" baseline="0">
               <a:ln w="22225">
                 <a:solidFill>
                   <a:schemeClr val="accent2"/>
@@ -11862,7 +10747,7 @@
           <a:lstStyle/>
           <a:p>
             <a:r>
-              <a:rPr lang="zh-CN" altLang="en-US" sz="2800" b="1" dirty="0" smtClean="0">
+              <a:rPr lang="zh-CN" altLang="en-US" sz="2800" b="1" dirty="0">
                 <a:solidFill>
                   <a:schemeClr val="bg1"/>
                 </a:solidFill>
@@ -11871,7 +10756,7 @@
               </a:rPr>
               <a:t>个人信息</a:t>
             </a:r>
-            <a:endParaRPr lang="en-US" altLang="zh-CN" sz="2800" b="1" dirty="0" smtClean="0">
+            <a:endParaRPr lang="en-US" altLang="zh-CN" sz="2800" b="1" dirty="0">
               <a:solidFill>
                 <a:schemeClr val="bg1"/>
               </a:solidFill>
@@ -11881,43 +10766,6 @@
           </a:p>
         </p:txBody>
       </p:sp>
-      <p:pic>
-        <p:nvPicPr>
-          <p:cNvPr id="7" name="图片 6"/>
-          <p:cNvPicPr>
-            <a:picLocks noChangeAspect="1"/>
-          </p:cNvPicPr>
-          <p:nvPr/>
-        </p:nvPicPr>
-        <p:blipFill>
-          <a:blip r:embed="rId2" cstate="print">
-            <a:extLst>
-              <a:ext uri="{28A0092B-C50C-407E-A947-70E740481C1C}">
-                <a14:useLocalDpi xmlns:a14="http://schemas.microsoft.com/office/drawing/2010/main" val="0"/>
-              </a:ext>
-            </a:extLst>
-          </a:blip>
-          <a:stretch>
-            <a:fillRect/>
-          </a:stretch>
-        </p:blipFill>
-        <p:spPr>
-          <a:xfrm>
-            <a:off x="851409" y="2620235"/>
-            <a:ext cx="6328229" cy="3585996"/>
-          </a:xfrm>
-          <a:prstGeom prst="rect">
-            <a:avLst/>
-          </a:prstGeom>
-          <a:effectLst>
-            <a:outerShdw blurRad="50800" dist="38100" dir="18900000" algn="bl" rotWithShape="0">
-              <a:prstClr val="black">
-                <a:alpha val="40000"/>
-              </a:prstClr>
-            </a:outerShdw>
-          </a:effectLst>
-        </p:spPr>
-      </p:pic>
       <p:sp>
         <p:nvSpPr>
           <p:cNvPr id="4" name="文本框 3"/>
@@ -11926,7 +10774,7 @@
         </p:nvSpPr>
         <p:spPr>
           <a:xfrm>
-            <a:off x="5050970" y="2017837"/>
+            <a:off x="4935696" y="2017837"/>
             <a:ext cx="3686629" cy="3170099"/>
           </a:xfrm>
           <a:prstGeom prst="rect">
@@ -11955,20 +10803,20 @@
               </a:lnSpc>
             </a:pPr>
             <a:r>
-              <a:rPr lang="zh-CN" altLang="en-US" sz="2000" b="1" dirty="0" smtClean="0">
+              <a:rPr lang="zh-CN" altLang="en-US" sz="2000" b="1" dirty="0">
                 <a:latin typeface="微软雅黑" panose="020B0503020204020204" pitchFamily="34" charset="-122"/>
                 <a:ea typeface="微软雅黑" panose="020B0503020204020204" pitchFamily="34" charset="-122"/>
               </a:rPr>
               <a:t>姓名：</a:t>
             </a:r>
             <a:r>
-              <a:rPr lang="zh-CN" altLang="en-US" sz="2000" dirty="0" smtClean="0">
+              <a:rPr lang="zh-CN" altLang="en-US" sz="2000" dirty="0">
                 <a:latin typeface="微软雅黑" panose="020B0503020204020204" pitchFamily="34" charset="-122"/>
                 <a:ea typeface="微软雅黑" panose="020B0503020204020204" pitchFamily="34" charset="-122"/>
               </a:rPr>
-              <a:t>陈巧媛</a:t>
-            </a:r>
-            <a:endParaRPr lang="en-US" altLang="zh-CN" sz="2000" dirty="0" smtClean="0">
+              <a:t>明坤</a:t>
+            </a:r>
+            <a:endParaRPr lang="en-US" altLang="zh-CN" sz="2000" dirty="0">
               <a:latin typeface="微软雅黑" panose="020B0503020204020204" pitchFamily="34" charset="-122"/>
               <a:ea typeface="微软雅黑" panose="020B0503020204020204" pitchFamily="34" charset="-122"/>
             </a:endParaRPr>
@@ -11987,21 +10835,21 @@
               <a:t>出生年月：</a:t>
             </a:r>
             <a:r>
-              <a:rPr lang="zh-CN" altLang="en-US" sz="2000" dirty="0" smtClean="0">
+              <a:rPr lang="zh-CN" altLang="en-US" sz="2000" dirty="0">
                 <a:latin typeface="微软雅黑" panose="020B0503020204020204" pitchFamily="34" charset="-122"/>
                 <a:ea typeface="微软雅黑" panose="020B0503020204020204" pitchFamily="34" charset="-122"/>
               </a:rPr>
               <a:t>199</a:t>
             </a:r>
             <a:r>
-              <a:rPr lang="en-US" altLang="zh-CN" sz="2000" dirty="0" smtClean="0">
+              <a:rPr lang="en-US" altLang="zh-CN" sz="2000" dirty="0">
                 <a:latin typeface="微软雅黑" panose="020B0503020204020204" pitchFamily="34" charset="-122"/>
                 <a:ea typeface="微软雅黑" panose="020B0503020204020204" pitchFamily="34" charset="-122"/>
               </a:rPr>
               <a:t>5</a:t>
             </a:r>
             <a:r>
-              <a:rPr lang="zh-CN" altLang="en-US" sz="2000" dirty="0" smtClean="0">
+              <a:rPr lang="zh-CN" altLang="en-US" sz="2000" dirty="0">
                 <a:latin typeface="微软雅黑" panose="020B0503020204020204" pitchFamily="34" charset="-122"/>
                 <a:ea typeface="微软雅黑" panose="020B0503020204020204" pitchFamily="34" charset="-122"/>
               </a:rPr>
@@ -12012,26 +10860,8 @@
                 <a:latin typeface="微软雅黑" panose="020B0503020204020204" pitchFamily="34" charset="-122"/>
                 <a:ea typeface="微软雅黑" panose="020B0503020204020204" pitchFamily="34" charset="-122"/>
               </a:rPr>
-              <a:t>3</a:t>
-            </a:r>
-            <a:r>
-              <a:rPr lang="zh-CN" altLang="en-US" sz="2000" dirty="0" smtClean="0">
-                <a:latin typeface="微软雅黑" panose="020B0503020204020204" pitchFamily="34" charset="-122"/>
-                <a:ea typeface="微软雅黑" panose="020B0503020204020204" pitchFamily="34" charset="-122"/>
-              </a:rPr>
-              <a:t>.</a:t>
-            </a:r>
-            <a:r>
-              <a:rPr lang="en-US" altLang="zh-CN" sz="2000" dirty="0" smtClean="0">
-                <a:latin typeface="微软雅黑" panose="020B0503020204020204" pitchFamily="34" charset="-122"/>
-                <a:ea typeface="微软雅黑" panose="020B0503020204020204" pitchFamily="34" charset="-122"/>
-              </a:rPr>
-              <a:t>18</a:t>
-            </a:r>
-            <a:endParaRPr lang="en-US" altLang="zh-CN" sz="2000" dirty="0">
-              <a:latin typeface="微软雅黑" panose="020B0503020204020204" pitchFamily="34" charset="-122"/>
-              <a:ea typeface="微软雅黑" panose="020B0503020204020204" pitchFamily="34" charset="-122"/>
-            </a:endParaRPr>
+              <a:t>5.31</a:t>
+            </a:r>
           </a:p>
           <a:p>
             <a:pPr>
@@ -12047,7 +10877,7 @@
               <a:t>名族：</a:t>
             </a:r>
             <a:r>
-              <a:rPr lang="zh-CN" altLang="en-US" sz="2000" dirty="0" smtClean="0">
+              <a:rPr lang="zh-CN" altLang="en-US" sz="2000" dirty="0">
                 <a:latin typeface="微软雅黑" panose="020B0503020204020204" pitchFamily="34" charset="-122"/>
                 <a:ea typeface="微软雅黑" panose="020B0503020204020204" pitchFamily="34" charset="-122"/>
               </a:rPr>
@@ -12072,11 +10902,11 @@
               <a:t>籍贯：</a:t>
             </a:r>
             <a:r>
-              <a:rPr lang="zh-CN" altLang="en-US" sz="2000" dirty="0" smtClean="0">
+              <a:rPr lang="zh-CN" altLang="en-US" sz="2000" dirty="0">
                 <a:latin typeface="微软雅黑" panose="020B0503020204020204" pitchFamily="34" charset="-122"/>
                 <a:ea typeface="微软雅黑" panose="020B0503020204020204" pitchFamily="34" charset="-122"/>
               </a:rPr>
-              <a:t>福建南安</a:t>
+              <a:t>山西临汾</a:t>
             </a:r>
             <a:endParaRPr lang="en-US" altLang="zh-CN" sz="2000" dirty="0">
               <a:latin typeface="微软雅黑" panose="020B0503020204020204" pitchFamily="34" charset="-122"/>
@@ -12090,50 +10920,72 @@
               </a:lnSpc>
             </a:pPr>
             <a:r>
-              <a:rPr lang="zh-CN" altLang="en-US" sz="2000" b="1" dirty="0" smtClean="0">
+              <a:rPr lang="zh-CN" altLang="en-US" sz="2000" b="1" dirty="0">
                 <a:latin typeface="微软雅黑" panose="020B0503020204020204" pitchFamily="34" charset="-122"/>
                 <a:ea typeface="微软雅黑" panose="020B0503020204020204" pitchFamily="34" charset="-122"/>
               </a:rPr>
               <a:t>政治面貌：</a:t>
             </a:r>
             <a:r>
-              <a:rPr lang="zh-CN" altLang="en-US" sz="2000" dirty="0" smtClean="0">
+              <a:rPr lang="zh-CN" altLang="en-US" sz="2000" dirty="0">
                 <a:latin typeface="微软雅黑" panose="020B0503020204020204" pitchFamily="34" charset="-122"/>
                 <a:ea typeface="微软雅黑" panose="020B0503020204020204" pitchFamily="34" charset="-122"/>
               </a:rPr>
               <a:t>预备党员</a:t>
             </a:r>
-            <a:endParaRPr lang="en-US" altLang="zh-CN" sz="2000" dirty="0" smtClean="0">
+            <a:endParaRPr lang="en-US" altLang="zh-CN" sz="2000" dirty="0">
               <a:latin typeface="微软雅黑" panose="020B0503020204020204" pitchFamily="34" charset="-122"/>
               <a:ea typeface="微软雅黑" panose="020B0503020204020204" pitchFamily="34" charset="-122"/>
             </a:endParaRPr>
           </a:p>
         </p:txBody>
       </p:sp>
+      <p:pic>
+        <p:nvPicPr>
+          <p:cNvPr id="9" name="图片 8"/>
+          <p:cNvPicPr>
+            <a:picLocks noChangeAspect="1"/>
+          </p:cNvPicPr>
+          <p:nvPr/>
+        </p:nvPicPr>
+        <p:blipFill rotWithShape="1">
+          <a:blip r:embed="rId2" cstate="print">
+            <a:extLst>
+              <a:ext uri="{28A0092B-C50C-407E-A947-70E740481C1C}">
+                <a14:useLocalDpi xmlns:a14="http://schemas.microsoft.com/office/drawing/2010/main" val="0"/>
+              </a:ext>
+            </a:extLst>
+          </a:blip>
+          <a:srcRect l="50462"/>
+          <a:stretch/>
+        </p:blipFill>
+        <p:spPr>
+          <a:xfrm>
+            <a:off x="2082281" y="2220330"/>
+            <a:ext cx="2853415" cy="4320000"/>
+          </a:xfrm>
+          <a:prstGeom prst="rect">
+            <a:avLst/>
+          </a:prstGeom>
+        </p:spPr>
+      </p:pic>
     </p:spTree>
   </p:cSld>
   <p:clrMapOvr>
     <a:masterClrMapping/>
   </p:clrMapOvr>
-  <mc:AlternateContent xmlns:mc="http://schemas.openxmlformats.org/markup-compatibility/2006">
-    <mc:Choice xmlns:p14="http://schemas.microsoft.com/office/powerpoint/2010/main" Requires="p14">
+  <mc:AlternateContent xmlns:mc="http://schemas.openxmlformats.org/markup-compatibility/2006" xmlns:p14="http://schemas.microsoft.com/office/powerpoint/2010/main">
+    <mc:Choice Requires="p14">
       <p:transition spd="med" p14:dur="700" advTm="3500">
         <p:fade/>
       </p:transition>
     </mc:Choice>
-    <mc:Fallback>
+    <mc:Fallback xmlns="">
       <p:transition spd="med" advTm="3500">
         <p:fade/>
       </p:transition>
     </mc:Fallback>
   </mc:AlternateContent>
-  <p:timing>
-    <p:tnLst>
-      <p:par>
-        <p:cTn id="1" dur="indefinite" restart="never" nodeType="tmRoot"/>
-      </p:par>
-    </p:tnLst>
-  </p:timing>
 </p:sld>
 </file>
 
@@ -12182,11 +11034,11 @@
               </a:lnSpc>
             </a:pPr>
             <a:r>
-              <a:rPr lang="en-US" altLang="zh-CN" sz="2000" dirty="0" smtClean="0">
+              <a:rPr lang="en-US" altLang="zh-CN" sz="2000" dirty="0">
                 <a:latin typeface="微软雅黑" panose="020B0503020204020204" pitchFamily="34" charset="-122"/>
                 <a:ea typeface="微软雅黑" panose="020B0503020204020204" pitchFamily="34" charset="-122"/>
               </a:rPr>
-              <a:t>	2014</a:t>
+              <a:t>	2016</a:t>
             </a:r>
             <a:r>
               <a:rPr lang="zh-CN" altLang="zh-CN" sz="2000" dirty="0">
@@ -12200,7 +11052,7 @@
                 <a:latin typeface="微软雅黑" panose="020B0503020204020204" pitchFamily="34" charset="-122"/>
                 <a:ea typeface="微软雅黑" panose="020B0503020204020204" pitchFamily="34" charset="-122"/>
               </a:rPr>
-              <a:t>12</a:t>
+              <a:t>4</a:t>
             </a:r>
             <a:r>
               <a:rPr lang="zh-CN" altLang="zh-CN" sz="2000" dirty="0">
@@ -12214,7 +11066,7 @@
                 <a:latin typeface="微软雅黑" panose="020B0503020204020204" pitchFamily="34" charset="-122"/>
                 <a:ea typeface="微软雅黑" panose="020B0503020204020204" pitchFamily="34" charset="-122"/>
               </a:rPr>
-              <a:t>14</a:t>
+              <a:t>15</a:t>
             </a:r>
             <a:r>
               <a:rPr lang="zh-CN" altLang="zh-CN" sz="2000" dirty="0">
@@ -12235,42 +11087,14 @@
                 <a:latin typeface="微软雅黑" panose="020B0503020204020204" pitchFamily="34" charset="-122"/>
                 <a:ea typeface="微软雅黑" panose="020B0503020204020204" pitchFamily="34" charset="-122"/>
               </a:rPr>
-              <a:t>、</a:t>
+              <a:t>本科第一联合党支部大会讨论通过，上级党组织批准，我成为一名光荣的中共预备党员，至</a:t>
             </a:r>
             <a:r>
               <a:rPr lang="en-US" altLang="zh-CN" sz="2000" dirty="0">
                 <a:latin typeface="微软雅黑" panose="020B0503020204020204" pitchFamily="34" charset="-122"/>
                 <a:ea typeface="微软雅黑" panose="020B0503020204020204" pitchFamily="34" charset="-122"/>
               </a:rPr>
-              <a:t>14</a:t>
-            </a:r>
-            <a:r>
-              <a:rPr lang="zh-CN" altLang="zh-CN" sz="2000" dirty="0">
-                <a:latin typeface="微软雅黑" panose="020B0503020204020204" pitchFamily="34" charset="-122"/>
-                <a:ea typeface="微软雅黑" panose="020B0503020204020204" pitchFamily="34" charset="-122"/>
-              </a:rPr>
-              <a:t>级本科第一联合党支部大会讨论通过，上级党组织批准，我成为一名光荣的</a:t>
-            </a:r>
-            <a:r>
-              <a:rPr lang="zh-CN" altLang="zh-CN" sz="2000" dirty="0" smtClean="0">
-                <a:latin typeface="微软雅黑" panose="020B0503020204020204" pitchFamily="34" charset="-122"/>
-                <a:ea typeface="微软雅黑" panose="020B0503020204020204" pitchFamily="34" charset="-122"/>
-              </a:rPr>
-              <a:t>中共预备党员</a:t>
-            </a:r>
-            <a:r>
-              <a:rPr lang="zh-CN" altLang="zh-CN" sz="2000" dirty="0">
-                <a:latin typeface="微软雅黑" panose="020B0503020204020204" pitchFamily="34" charset="-122"/>
-                <a:ea typeface="微软雅黑" panose="020B0503020204020204" pitchFamily="34" charset="-122"/>
-              </a:rPr>
-              <a:t>，至</a:t>
-            </a:r>
-            <a:r>
-              <a:rPr lang="en-US" altLang="zh-CN" sz="2000" dirty="0">
-                <a:latin typeface="微软雅黑" panose="020B0503020204020204" pitchFamily="34" charset="-122"/>
-                <a:ea typeface="微软雅黑" panose="020B0503020204020204" pitchFamily="34" charset="-122"/>
-              </a:rPr>
-              <a:t>2015</a:t>
+              <a:t>2017</a:t>
             </a:r>
             <a:r>
               <a:rPr lang="zh-CN" altLang="zh-CN" sz="2000" dirty="0">
@@ -12284,7 +11108,7 @@
                 <a:latin typeface="微软雅黑" panose="020B0503020204020204" pitchFamily="34" charset="-122"/>
                 <a:ea typeface="微软雅黑" panose="020B0503020204020204" pitchFamily="34" charset="-122"/>
               </a:rPr>
-              <a:t>12</a:t>
+              <a:t>4</a:t>
             </a:r>
             <a:r>
               <a:rPr lang="zh-CN" altLang="zh-CN" sz="2000" dirty="0">
@@ -12298,37 +11122,16 @@
                 <a:latin typeface="微软雅黑" panose="020B0503020204020204" pitchFamily="34" charset="-122"/>
                 <a:ea typeface="微软雅黑" panose="020B0503020204020204" pitchFamily="34" charset="-122"/>
               </a:rPr>
-              <a:t>14</a:t>
+              <a:t>15</a:t>
             </a:r>
             <a:r>
               <a:rPr lang="zh-CN" altLang="zh-CN" sz="2000" dirty="0">
                 <a:latin typeface="微软雅黑" panose="020B0503020204020204" pitchFamily="34" charset="-122"/>
                 <a:ea typeface="微软雅黑" panose="020B0503020204020204" pitchFamily="34" charset="-122"/>
               </a:rPr>
-              <a:t>日预备期满一年，</a:t>
-            </a:r>
-            <a:r>
-              <a:rPr lang="zh-CN" altLang="zh-CN" sz="2000" dirty="0" smtClean="0">
-                <a:latin typeface="微软雅黑" panose="020B0503020204020204" pitchFamily="34" charset="-122"/>
-                <a:ea typeface="微软雅黑" panose="020B0503020204020204" pitchFamily="34" charset="-122"/>
-              </a:rPr>
-              <a:t>按照章程</a:t>
-            </a:r>
-            <a:r>
-              <a:rPr lang="zh-CN" altLang="zh-CN" sz="2000" dirty="0">
-                <a:latin typeface="微软雅黑" panose="020B0503020204020204" pitchFamily="34" charset="-122"/>
-                <a:ea typeface="微软雅黑" panose="020B0503020204020204" pitchFamily="34" charset="-122"/>
-              </a:rPr>
-              <a:t>的有关规定，在此我正式向党组织提出入党转正申请，申请转为中国共产党正式党员</a:t>
-            </a:r>
-            <a:r>
-              <a:rPr lang="zh-CN" altLang="zh-CN" sz="2000" dirty="0" smtClean="0">
-                <a:latin typeface="微软雅黑" panose="020B0503020204020204" pitchFamily="34" charset="-122"/>
-                <a:ea typeface="微软雅黑" panose="020B0503020204020204" pitchFamily="34" charset="-122"/>
-              </a:rPr>
-              <a:t>。</a:t>
-            </a:r>
-            <a:endParaRPr lang="en-US" altLang="zh-CN" sz="2000" dirty="0" smtClean="0">
+              <a:t>日预备期满一年，按照章程的有关规定，在此我正式向党组织提出入党转正申请，申请转为中国共产党正式党员。</a:t>
+            </a:r>
+            <a:endParaRPr lang="en-US" altLang="zh-CN" sz="2000" dirty="0">
               <a:latin typeface="微软雅黑" panose="020B0503020204020204" pitchFamily="34" charset="-122"/>
               <a:ea typeface="微软雅黑" panose="020B0503020204020204" pitchFamily="34" charset="-122"/>
             </a:endParaRPr>
@@ -12339,7 +11142,7 @@
                 <a:spcPct val="150000"/>
               </a:lnSpc>
             </a:pPr>
-            <a:endParaRPr lang="en-US" altLang="zh-CN" sz="1000" dirty="0" smtClean="0">
+            <a:endParaRPr lang="en-US" altLang="zh-CN" sz="1000" dirty="0">
               <a:latin typeface="微软雅黑" panose="020B0503020204020204" pitchFamily="34" charset="-122"/>
               <a:ea typeface="微软雅黑" panose="020B0503020204020204" pitchFamily="34" charset="-122"/>
             </a:endParaRPr>
@@ -12351,25 +11154,18 @@
               </a:lnSpc>
             </a:pPr>
             <a:r>
-              <a:rPr lang="en-US" altLang="zh-CN" sz="2000" dirty="0" smtClean="0">
+              <a:rPr lang="en-US" altLang="zh-CN" sz="2000" dirty="0">
                 <a:latin typeface="微软雅黑" panose="020B0503020204020204" pitchFamily="34" charset="-122"/>
                 <a:ea typeface="微软雅黑" panose="020B0503020204020204" pitchFamily="34" charset="-122"/>
               </a:rPr>
               <a:t>	</a:t>
             </a:r>
             <a:r>
-              <a:rPr lang="zh-CN" altLang="zh-CN" sz="2000" dirty="0" smtClean="0">
-                <a:latin typeface="微软雅黑" panose="020B0503020204020204" pitchFamily="34" charset="-122"/>
-                <a:ea typeface="微软雅黑" panose="020B0503020204020204" pitchFamily="34" charset="-122"/>
-              </a:rPr>
-              <a:t>现在</a:t>
-            </a:r>
-            <a:r>
               <a:rPr lang="zh-CN" altLang="zh-CN" sz="2000" dirty="0">
                 <a:latin typeface="微软雅黑" panose="020B0503020204020204" pitchFamily="34" charset="-122"/>
                 <a:ea typeface="微软雅黑" panose="020B0503020204020204" pitchFamily="34" charset="-122"/>
               </a:rPr>
-              <a:t>，我将自己在预备期内的思想、工作和学习情况向党组织做一个全面的汇报，以接受组织的考验。</a:t>
+              <a:t>现在，我将自己在预备期内的思想、工作和学习情况向党组织做一个全面的汇报，以接受组织的考验。</a:t>
             </a:r>
             <a:endParaRPr lang="zh-CN" altLang="en-US" sz="2000" dirty="0">
               <a:latin typeface="微软雅黑" panose="020B0503020204020204" pitchFamily="34" charset="-122"/>
@@ -12391,13 +11187,6 @@
   <p:transition spd="slow">
     <p:push dir="u"/>
   </p:transition>
-  <p:timing>
-    <p:tnLst>
-      <p:par>
-        <p:cTn id="1" dur="indefinite" restart="never" nodeType="tmRoot"/>
-      </p:par>
-    </p:tnLst>
-  </p:timing>
 </p:sld>
 </file>
 
@@ -12488,7 +11277,7 @@
                 <a:buNone/>
                 <a:tabLst/>
               </a:pPr>
-              <a:endParaRPr kumimoji="0" lang="zh-CN" altLang="en-US" sz="1800" b="1" i="0" u="none" strike="noStrike" normalizeH="0" baseline="0" smtClean="0">
+              <a:endParaRPr kumimoji="0" lang="zh-CN" altLang="en-US" sz="1800" b="1" i="0" u="none" strike="noStrike" normalizeH="0" baseline="0">
                 <a:ln w="22225">
                   <a:solidFill>
                     <a:schemeClr val="accent2"/>
@@ -12530,7 +11319,7 @@
             <a:lstStyle/>
             <a:p>
               <a:r>
-                <a:rPr lang="zh-CN" altLang="en-US" sz="2800" b="1" dirty="0" smtClean="0">
+                <a:rPr lang="zh-CN" altLang="en-US" sz="2800" b="1" dirty="0">
                   <a:solidFill>
                     <a:schemeClr val="bg1"/>
                   </a:solidFill>
@@ -12539,7 +11328,7 @@
                 </a:rPr>
                 <a:t>思想方面</a:t>
               </a:r>
-              <a:endParaRPr lang="en-US" altLang="zh-CN" sz="2800" b="1" dirty="0" smtClean="0">
+              <a:endParaRPr lang="en-US" altLang="zh-CN" sz="2800" b="1" dirty="0">
                 <a:solidFill>
                   <a:schemeClr val="bg1"/>
                 </a:solidFill>
@@ -12580,13 +11369,13 @@
               <a:buChar char="l"/>
             </a:pPr>
             <a:r>
-              <a:rPr lang="zh-CN" altLang="en-US" sz="2000" dirty="0" smtClean="0">
+              <a:rPr lang="zh-CN" altLang="en-US" sz="2000" dirty="0">
                 <a:latin typeface="微软雅黑" panose="020B0503020204020204" pitchFamily="34" charset="-122"/>
                 <a:ea typeface="微软雅黑" panose="020B0503020204020204" pitchFamily="34" charset="-122"/>
               </a:rPr>
               <a:t>进入大学后，我积极投递入党申请书，向党组织靠拢，有幸加入了第一批入党积极分子行列。通过党校的学习，对党有了更深一步的了解，更加坚定了入党的信念。</a:t>
             </a:r>
-            <a:endParaRPr lang="en-US" altLang="zh-CN" sz="2000" dirty="0" smtClean="0">
+            <a:endParaRPr lang="en-US" altLang="zh-CN" sz="2000" dirty="0">
               <a:latin typeface="微软雅黑" panose="020B0503020204020204" pitchFamily="34" charset="-122"/>
               <a:ea typeface="微软雅黑" panose="020B0503020204020204" pitchFamily="34" charset="-122"/>
             </a:endParaRPr>
@@ -12599,7 +11388,7 @@
               <a:buFont typeface="Wingdings" panose="05000000000000000000" pitchFamily="2" charset="2"/>
               <a:buChar char="l"/>
             </a:pPr>
-            <a:endParaRPr lang="zh-CN" altLang="en-US" sz="1050" dirty="0" smtClean="0">
+            <a:endParaRPr lang="zh-CN" altLang="en-US" sz="1050" dirty="0">
               <a:latin typeface="微软雅黑" panose="020B0503020204020204" pitchFamily="34" charset="-122"/>
               <a:ea typeface="微软雅黑" panose="020B0503020204020204" pitchFamily="34" charset="-122"/>
             </a:endParaRPr>
@@ -12613,13 +11402,13 @@
               <a:buChar char="l"/>
             </a:pPr>
             <a:r>
-              <a:rPr lang="zh-CN" altLang="en-US" sz="2000" dirty="0" smtClean="0">
+              <a:rPr lang="zh-CN" altLang="en-US" sz="2000" dirty="0">
                 <a:latin typeface="微软雅黑" panose="020B0503020204020204" pitchFamily="34" charset="-122"/>
                 <a:ea typeface="微软雅黑" panose="020B0503020204020204" pitchFamily="34" charset="-122"/>
               </a:rPr>
               <a:t>通过了党组织的考验成为预备党员后，我更加积极关心国家大事，随时随地关注国家领导人的最新动态和国内外发生的最新要闻。</a:t>
             </a:r>
-            <a:endParaRPr lang="en-US" altLang="zh-CN" sz="2000" dirty="0" smtClean="0">
+            <a:endParaRPr lang="en-US" altLang="zh-CN" sz="2000" dirty="0">
               <a:latin typeface="微软雅黑" panose="020B0503020204020204" pitchFamily="34" charset="-122"/>
               <a:ea typeface="微软雅黑" panose="020B0503020204020204" pitchFamily="34" charset="-122"/>
             </a:endParaRPr>
@@ -12632,7 +11421,7 @@
               <a:buFont typeface="Wingdings" panose="05000000000000000000" pitchFamily="2" charset="2"/>
               <a:buChar char="l"/>
             </a:pPr>
-            <a:endParaRPr lang="zh-CN" altLang="en-US" sz="1000" dirty="0" smtClean="0">
+            <a:endParaRPr lang="zh-CN" altLang="en-US" sz="1000" dirty="0">
               <a:latin typeface="微软雅黑" panose="020B0503020204020204" pitchFamily="34" charset="-122"/>
               <a:ea typeface="微软雅黑" panose="020B0503020204020204" pitchFamily="34" charset="-122"/>
             </a:endParaRPr>
@@ -12646,13 +11435,13 @@
               <a:buChar char="l"/>
             </a:pPr>
             <a:r>
-              <a:rPr lang="zh-CN" altLang="en-US" sz="2000" dirty="0" smtClean="0">
+              <a:rPr lang="zh-CN" altLang="en-US" sz="2000" dirty="0">
                 <a:latin typeface="微软雅黑" panose="020B0503020204020204" pitchFamily="34" charset="-122"/>
                 <a:ea typeface="微软雅黑" panose="020B0503020204020204" pitchFamily="34" charset="-122"/>
               </a:rPr>
-              <a:t>两年来我树立了正确人生观、价值观和世界观，同时在学习工作中和同学友好相处、互帮互助，积极参加实践活动。</a:t>
-            </a:r>
-            <a:endParaRPr lang="en-US" altLang="zh-CN" sz="2000" dirty="0" smtClean="0">
+              <a:t>一年来我树立了正确人生观、价值观和世界观，同时在学习工作中和同学友好相处、互帮互助，积极参加实践活动。</a:t>
+            </a:r>
+            <a:endParaRPr lang="en-US" altLang="zh-CN" sz="2000" dirty="0">
               <a:latin typeface="微软雅黑" panose="020B0503020204020204" pitchFamily="34" charset="-122"/>
               <a:ea typeface="微软雅黑" panose="020B0503020204020204" pitchFamily="34" charset="-122"/>
             </a:endParaRPr>
@@ -13045,7 +11834,7 @@
                 <a:buNone/>
                 <a:tabLst/>
               </a:pPr>
-              <a:endParaRPr kumimoji="0" lang="zh-CN" altLang="en-US" sz="1800" b="1" i="0" u="none" strike="noStrike" normalizeH="0" baseline="0" smtClean="0">
+              <a:endParaRPr kumimoji="0" lang="zh-CN" altLang="en-US" sz="1800" b="1" i="0" u="none" strike="noStrike" normalizeH="0" baseline="0">
                 <a:ln w="22225">
                   <a:solidFill>
                     <a:schemeClr val="accent2"/>
@@ -13087,7 +11876,7 @@
             <a:lstStyle/>
             <a:p>
               <a:r>
-                <a:rPr lang="zh-CN" altLang="en-US" sz="2800" b="1" dirty="0" smtClean="0">
+                <a:rPr lang="zh-CN" altLang="en-US" sz="2800" b="1" dirty="0">
                   <a:solidFill>
                     <a:schemeClr val="bg1"/>
                   </a:solidFill>
@@ -13096,7 +11885,7 @@
                 </a:rPr>
                 <a:t>学习方面</a:t>
               </a:r>
-              <a:endParaRPr lang="en-US" altLang="zh-CN" sz="2800" b="1" dirty="0" smtClean="0">
+              <a:endParaRPr lang="en-US" altLang="zh-CN" sz="2800" b="1" dirty="0">
                 <a:solidFill>
                   <a:schemeClr val="bg1"/>
                 </a:solidFill>
@@ -13137,13 +11926,13 @@
               <a:buChar char="Ø"/>
             </a:pPr>
             <a:r>
-              <a:rPr lang="zh-CN" altLang="en-US" sz="2000" dirty="0" smtClean="0">
+              <a:rPr lang="zh-CN" altLang="en-US" sz="2000" dirty="0">
                 <a:latin typeface="微软雅黑" panose="020B0503020204020204" pitchFamily="34" charset="-122"/>
                 <a:ea typeface="微软雅黑" panose="020B0503020204020204" pitchFamily="34" charset="-122"/>
               </a:rPr>
               <a:t>在党组织的关怀下，我的成绩有明显的进步。</a:t>
             </a:r>
-            <a:endParaRPr lang="en-US" altLang="zh-CN" sz="2000" dirty="0" smtClean="0">
+            <a:endParaRPr lang="en-US" altLang="zh-CN" sz="2000" dirty="0">
               <a:latin typeface="微软雅黑" panose="020B0503020204020204" pitchFamily="34" charset="-122"/>
               <a:ea typeface="微软雅黑" panose="020B0503020204020204" pitchFamily="34" charset="-122"/>
             </a:endParaRPr>
@@ -13157,16 +11946,12 @@
               <a:buChar char="Ø"/>
             </a:pPr>
             <a:r>
-              <a:rPr lang="zh-CN" altLang="en-US" sz="2000" dirty="0" smtClean="0">
+              <a:rPr lang="zh-CN" altLang="en-US" sz="2000" dirty="0">
                 <a:latin typeface="微软雅黑" panose="020B0503020204020204" pitchFamily="34" charset="-122"/>
                 <a:ea typeface="微软雅黑" panose="020B0503020204020204" pitchFamily="34" charset="-122"/>
               </a:rPr>
-              <a:t>大一和大二学年均获得了“江南大学二等学业奖学金”。</a:t>
-            </a:r>
-            <a:endParaRPr lang="zh-CN" altLang="en-US" sz="2000" dirty="0">
-              <a:latin typeface="微软雅黑" panose="020B0503020204020204" pitchFamily="34" charset="-122"/>
-              <a:ea typeface="微软雅黑" panose="020B0503020204020204" pitchFamily="34" charset="-122"/>
-            </a:endParaRPr>
+              <a:t>大一至大四学年分别获得了“一等、三等和国家学业奖学金”。</a:t>
+            </a:r>
           </a:p>
         </p:txBody>
       </p:sp>
@@ -13177,7 +11962,7 @@
           <p:nvPr>
             <p:extLst>
               <p:ext uri="{D42A27DB-BD31-4B8C-83A1-F6EECF244321}">
-                <p14:modId xmlns:p14="http://schemas.microsoft.com/office/powerpoint/2010/main" val="2265942542"/>
+                <p14:modId xmlns:p14="http://schemas.microsoft.com/office/powerpoint/2010/main" val="964990774"/>
               </p:ext>
             </p:extLst>
           </p:nvPr>
@@ -13199,7 +11984,7 @@
           <p:nvPr>
             <p:extLst>
               <p:ext uri="{D42A27DB-BD31-4B8C-83A1-F6EECF244321}">
-                <p14:modId xmlns:p14="http://schemas.microsoft.com/office/powerpoint/2010/main" val="3179939186"/>
+                <p14:modId xmlns:p14="http://schemas.microsoft.com/office/powerpoint/2010/main" val="1737979061"/>
               </p:ext>
             </p:extLst>
           </p:nvPr>
@@ -13725,7 +12510,7 @@
                 <a:buNone/>
                 <a:tabLst/>
               </a:pPr>
-              <a:endParaRPr kumimoji="0" lang="zh-CN" altLang="en-US" sz="1800" b="1" i="0" u="none" strike="noStrike" normalizeH="0" baseline="0" smtClean="0">
+              <a:endParaRPr kumimoji="0" lang="zh-CN" altLang="en-US" sz="1800" b="1" i="0" u="none" strike="noStrike" normalizeH="0" baseline="0">
                 <a:ln w="22225">
                   <a:solidFill>
                     <a:schemeClr val="accent2"/>
@@ -13767,7 +12552,7 @@
             <a:lstStyle/>
             <a:p>
               <a:r>
-                <a:rPr lang="zh-CN" altLang="en-US" sz="2800" b="1" dirty="0" smtClean="0">
+                <a:rPr lang="zh-CN" altLang="en-US" sz="2800" b="1" dirty="0">
                   <a:solidFill>
                     <a:schemeClr val="bg1"/>
                   </a:solidFill>
@@ -13776,7 +12561,7 @@
                 </a:rPr>
                 <a:t>学习方面</a:t>
               </a:r>
-              <a:endParaRPr lang="en-US" altLang="zh-CN" sz="2800" b="1" dirty="0" smtClean="0">
+              <a:endParaRPr lang="en-US" altLang="zh-CN" sz="2800" b="1" dirty="0">
                 <a:solidFill>
                   <a:schemeClr val="bg1"/>
                 </a:solidFill>
@@ -13815,34 +12600,20 @@
               </a:lnSpc>
             </a:pPr>
             <a:r>
-              <a:rPr lang="en-US" altLang="zh-CN" sz="2000" dirty="0" smtClean="0">
+              <a:rPr lang="en-US" altLang="zh-CN" sz="2000" dirty="0">
                 <a:latin typeface="微软雅黑" panose="020B0503020204020204" pitchFamily="34" charset="-122"/>
                 <a:ea typeface="微软雅黑" panose="020B0503020204020204" pitchFamily="34" charset="-122"/>
               </a:rPr>
               <a:t>	</a:t>
             </a:r>
             <a:r>
-              <a:rPr lang="zh-CN" altLang="en-US" sz="2000" dirty="0" smtClean="0">
-                <a:latin typeface="微软雅黑" panose="020B0503020204020204" pitchFamily="34" charset="-122"/>
-                <a:ea typeface="微软雅黑" panose="020B0503020204020204" pitchFamily="34" charset="-122"/>
-              </a:rPr>
-              <a:t>除了</a:t>
-            </a:r>
-            <a:r>
               <a:rPr lang="zh-CN" altLang="en-US" sz="2000" dirty="0">
                 <a:latin typeface="微软雅黑" panose="020B0503020204020204" pitchFamily="34" charset="-122"/>
                 <a:ea typeface="微软雅黑" panose="020B0503020204020204" pitchFamily="34" charset="-122"/>
               </a:rPr>
-              <a:t>专业课的学习，我还积极</a:t>
-            </a:r>
-            <a:r>
-              <a:rPr lang="zh-CN" altLang="en-US" sz="2000" dirty="0" smtClean="0">
-                <a:latin typeface="微软雅黑" panose="020B0503020204020204" pitchFamily="34" charset="-122"/>
-                <a:ea typeface="微软雅黑" panose="020B0503020204020204" pitchFamily="34" charset="-122"/>
-              </a:rPr>
-              <a:t>参加了科创比赛。</a:t>
-            </a:r>
-            <a:endParaRPr lang="en-US" altLang="zh-CN" sz="2000" dirty="0" smtClean="0">
+              <a:t>除了专业课的学习，我还积极参加了科创比赛。</a:t>
+            </a:r>
+            <a:endParaRPr lang="en-US" altLang="zh-CN" sz="2000" dirty="0">
               <a:latin typeface="微软雅黑" panose="020B0503020204020204" pitchFamily="34" charset="-122"/>
               <a:ea typeface="微软雅黑" panose="020B0503020204020204" pitchFamily="34" charset="-122"/>
             </a:endParaRPr>
@@ -13854,20 +12625,20 @@
               </a:lnSpc>
             </a:pPr>
             <a:r>
-              <a:rPr lang="en-US" altLang="zh-CN" sz="2000" dirty="0" smtClean="0">
+              <a:rPr lang="en-US" altLang="zh-CN" sz="2000" dirty="0">
                 <a:latin typeface="微软雅黑" panose="020B0503020204020204" pitchFamily="34" charset="-122"/>
                 <a:ea typeface="微软雅黑" panose="020B0503020204020204" pitchFamily="34" charset="-122"/>
               </a:rPr>
               <a:t>	</a:t>
             </a:r>
             <a:r>
-              <a:rPr lang="zh-CN" altLang="en-US" sz="2000" dirty="0" smtClean="0">
+              <a:rPr lang="zh-CN" altLang="en-US" sz="2000" dirty="0">
                 <a:latin typeface="微软雅黑" panose="020B0503020204020204" pitchFamily="34" charset="-122"/>
                 <a:ea typeface="微软雅黑" panose="020B0503020204020204" pitchFamily="34" charset="-122"/>
               </a:rPr>
-              <a:t>在今年的第十届飞思卡尔智能小车竞赛中，我们的队伍获得了华东赛区一等奖的好成绩。</a:t>
-            </a:r>
-            <a:endParaRPr lang="en-US" altLang="zh-CN" sz="2000" dirty="0" smtClean="0">
+              <a:t>在第十届飞思卡尔智能小车竞赛中，我们的队伍获得了华东赛区一等奖的好成绩。</a:t>
+            </a:r>
+            <a:endParaRPr lang="en-US" altLang="zh-CN" sz="2000" dirty="0">
               <a:latin typeface="微软雅黑" panose="020B0503020204020204" pitchFamily="34" charset="-122"/>
               <a:ea typeface="微软雅黑" panose="020B0503020204020204" pitchFamily="34" charset="-122"/>
             </a:endParaRPr>
@@ -13886,16 +12657,12 @@
               <a:t>	</a:t>
             </a:r>
             <a:r>
-              <a:rPr lang="zh-CN" altLang="en-US" sz="2000" dirty="0" smtClean="0">
+              <a:rPr lang="zh-CN" altLang="en-US" sz="2000" dirty="0">
                 <a:latin typeface="微软雅黑" panose="020B0503020204020204" pitchFamily="34" charset="-122"/>
                 <a:ea typeface="微软雅黑" panose="020B0503020204020204" pitchFamily="34" charset="-122"/>
               </a:rPr>
               <a:t>光有理论知识是不够的，还需要有切实的实践，实践出真知！</a:t>
             </a:r>
-            <a:endParaRPr lang="zh-CN" altLang="en-US" sz="2000" dirty="0">
-              <a:latin typeface="微软雅黑" panose="020B0503020204020204" pitchFamily="34" charset="-122"/>
-              <a:ea typeface="微软雅黑" panose="020B0503020204020204" pitchFamily="34" charset="-122"/>
-            </a:endParaRPr>
           </a:p>
         </p:txBody>
       </p:sp>
@@ -14343,7 +13110,7 @@
       </p:grpSpPr>
       <p:grpSp>
         <p:nvGrpSpPr>
-          <p:cNvPr id="7" name="组合 6"/>
+          <p:cNvPr id="10" name="组合 9"/>
           <p:cNvGrpSpPr/>
           <p:nvPr/>
         </p:nvGrpSpPr>
@@ -14411,7 +13178,7 @@
                 <a:buNone/>
                 <a:tabLst/>
               </a:pPr>
-              <a:endParaRPr kumimoji="0" lang="zh-CN" altLang="en-US" sz="1800" b="1" i="0" u="none" strike="noStrike" normalizeH="0" baseline="0" smtClean="0">
+              <a:endParaRPr kumimoji="0" lang="zh-CN" altLang="en-US" sz="1800" b="1" i="0" u="none" strike="noStrike" normalizeH="0" baseline="0">
                 <a:ln w="22225">
                   <a:solidFill>
                     <a:schemeClr val="accent2"/>
@@ -14453,16 +13220,16 @@
             <a:lstStyle/>
             <a:p>
               <a:r>
-                <a:rPr lang="zh-CN" altLang="en-US" sz="2800" b="1" dirty="0" smtClean="0">
+                <a:rPr lang="zh-CN" altLang="en-US" sz="2800" b="1" dirty="0">
                   <a:solidFill>
                     <a:schemeClr val="bg1"/>
                   </a:solidFill>
                   <a:latin typeface="微软雅黑" panose="020B0503020204020204" pitchFamily="34" charset="-122"/>
                   <a:ea typeface="微软雅黑" panose="020B0503020204020204" pitchFamily="34" charset="-122"/>
                 </a:rPr>
-                <a:t>工作方面</a:t>
+                <a:t>生活方面</a:t>
               </a:r>
-              <a:endParaRPr lang="en-US" altLang="zh-CN" sz="2800" b="1" dirty="0" smtClean="0">
+              <a:endParaRPr lang="en-US" altLang="zh-CN" sz="2800" b="1" dirty="0">
                 <a:solidFill>
                   <a:schemeClr val="bg1"/>
                 </a:solidFill>
@@ -14473,71 +13240,9 @@
           </p:txBody>
         </p:sp>
       </p:grpSp>
-      <p:sp>
-        <p:nvSpPr>
-          <p:cNvPr id="4" name="文本框 3"/>
-          <p:cNvSpPr txBox="1"/>
-          <p:nvPr/>
-        </p:nvSpPr>
-        <p:spPr>
-          <a:xfrm>
-            <a:off x="449944" y="2119437"/>
-            <a:ext cx="8296197" cy="1477328"/>
-          </a:xfrm>
-          <a:prstGeom prst="rect">
-            <a:avLst/>
-          </a:prstGeom>
-          <a:noFill/>
-        </p:spPr>
-        <p:txBody>
-          <a:bodyPr wrap="square" rtlCol="0">
-            <a:spAutoFit/>
-          </a:bodyPr>
-          <a:lstStyle/>
-          <a:p>
-            <a:pPr>
-              <a:lnSpc>
-                <a:spcPct val="150000"/>
-              </a:lnSpc>
-            </a:pPr>
-            <a:r>
-              <a:rPr lang="en-US" altLang="zh-CN" sz="2000" dirty="0" smtClean="0">
-                <a:latin typeface="微软雅黑" panose="020B0503020204020204" pitchFamily="34" charset="-122"/>
-                <a:ea typeface="微软雅黑" panose="020B0503020204020204" pitchFamily="34" charset="-122"/>
-              </a:rPr>
-              <a:t>	</a:t>
-            </a:r>
-            <a:r>
-              <a:rPr lang="zh-CN" altLang="en-US" sz="2000" dirty="0" smtClean="0">
-                <a:latin typeface="微软雅黑" panose="020B0503020204020204" pitchFamily="34" charset="-122"/>
-                <a:ea typeface="微软雅黑" panose="020B0503020204020204" pitchFamily="34" charset="-122"/>
-              </a:rPr>
-              <a:t>大</a:t>
-            </a:r>
-            <a:r>
-              <a:rPr lang="zh-CN" altLang="en-US" sz="2000" dirty="0">
-                <a:latin typeface="微软雅黑" panose="020B0503020204020204" pitchFamily="34" charset="-122"/>
-                <a:ea typeface="微软雅黑" panose="020B0503020204020204" pitchFamily="34" charset="-122"/>
-              </a:rPr>
-              <a:t>二学年我担任了物联网工程学院大学生科协创意部的</a:t>
-            </a:r>
-            <a:r>
-              <a:rPr lang="zh-CN" altLang="en-US" sz="2000" dirty="0" smtClean="0">
-                <a:latin typeface="微软雅黑" panose="020B0503020204020204" pitchFamily="34" charset="-122"/>
-                <a:ea typeface="微软雅黑" panose="020B0503020204020204" pitchFamily="34" charset="-122"/>
-              </a:rPr>
-              <a:t>部长，期间和干事们友好相处，共同进步，留下许多了美好的记忆。在这一年的任期中，我真切地体会到了“从群众中来，到群众中去”这句话。</a:t>
-            </a:r>
-            <a:endParaRPr lang="zh-CN" altLang="en-US" sz="2000" dirty="0">
-              <a:latin typeface="微软雅黑" panose="020B0503020204020204" pitchFamily="34" charset="-122"/>
-              <a:ea typeface="微软雅黑" panose="020B0503020204020204" pitchFamily="34" charset="-122"/>
-            </a:endParaRPr>
-          </a:p>
-        </p:txBody>
-      </p:sp>
       <p:pic>
         <p:nvPicPr>
-          <p:cNvPr id="5" name="图片 4"/>
+          <p:cNvPr id="7" name="图片 6"/>
           <p:cNvPicPr>
             <a:picLocks noChangeAspect="1"/>
           </p:cNvPicPr>
@@ -14551,52 +13256,130 @@
               </a:ext>
             </a:extLst>
           </a:blip>
-          <a:srcRect t="3208" b="891"/>
+          <a:srcRect l="3334" t="9735" r="15873" b="32487"/>
           <a:stretch/>
         </p:blipFill>
         <p:spPr>
           <a:xfrm>
-            <a:off x="449944" y="3599543"/>
-            <a:ext cx="3975403" cy="2859314"/>
+            <a:off x="253927" y="2786049"/>
+            <a:ext cx="5312229" cy="2849192"/>
           </a:xfrm>
           <a:prstGeom prst="rect">
             <a:avLst/>
           </a:prstGeom>
         </p:spPr>
       </p:pic>
-      <p:pic>
-        <p:nvPicPr>
-          <p:cNvPr id="6" name="图片 5"/>
-          <p:cNvPicPr>
-            <a:picLocks noChangeAspect="1"/>
-          </p:cNvPicPr>
+      <p:grpSp>
+        <p:nvGrpSpPr>
+          <p:cNvPr id="9" name="组合 8"/>
+          <p:cNvGrpSpPr/>
           <p:nvPr/>
-        </p:nvPicPr>
-        <p:blipFill rotWithShape="1">
-          <a:blip r:embed="rId3" cstate="print">
-            <a:extLst>
-              <a:ext uri="{28A0092B-C50C-407E-A947-70E740481C1C}">
-                <a14:useLocalDpi xmlns:a14="http://schemas.microsoft.com/office/drawing/2010/main" val="0"/>
-              </a:ext>
-            </a:extLst>
-          </a:blip>
-          <a:srcRect l="11250" t="6720" r="13750"/>
-          <a:stretch/>
-        </p:blipFill>
-        <p:spPr>
+        </p:nvGrpSpPr>
+        <p:grpSpPr>
           <a:xfrm>
-            <a:off x="4659087" y="3599543"/>
-            <a:ext cx="4087054" cy="2859314"/>
+            <a:off x="5566156" y="1306284"/>
+            <a:ext cx="3577844" cy="5193169"/>
+            <a:chOff x="5428922" y="1318984"/>
+            <a:chExt cx="3577844" cy="5193169"/>
           </a:xfrm>
-          <a:prstGeom prst="rect">
-            <a:avLst/>
-          </a:prstGeom>
-        </p:spPr>
-      </p:pic>
+        </p:grpSpPr>
+        <p:sp>
+          <p:nvSpPr>
+            <p:cNvPr id="4" name="文本框 3"/>
+            <p:cNvSpPr txBox="1"/>
+            <p:nvPr/>
+          </p:nvSpPr>
+          <p:spPr>
+            <a:xfrm>
+              <a:off x="5428922" y="1318984"/>
+              <a:ext cx="3397579" cy="3785652"/>
+            </a:xfrm>
+            <a:prstGeom prst="rect">
+              <a:avLst/>
+            </a:prstGeom>
+            <a:noFill/>
+          </p:spPr>
+          <p:txBody>
+            <a:bodyPr wrap="square" rtlCol="0">
+              <a:spAutoFit/>
+            </a:bodyPr>
+            <a:lstStyle/>
+            <a:p>
+              <a:pPr>
+                <a:lnSpc>
+                  <a:spcPct val="200000"/>
+                </a:lnSpc>
+              </a:pPr>
+              <a:r>
+                <a:rPr lang="en-US" altLang="zh-CN" sz="2000" dirty="0">
+                  <a:latin typeface="微软雅黑" panose="020B0503020204020204" pitchFamily="34" charset="-122"/>
+                  <a:ea typeface="微软雅黑" panose="020B0503020204020204" pitchFamily="34" charset="-122"/>
+                </a:rPr>
+                <a:t>	</a:t>
+              </a:r>
+              <a:r>
+                <a:rPr lang="zh-CN" altLang="zh-CN" sz="2000" dirty="0">
+                  <a:latin typeface="微软雅黑" panose="020B0503020204020204" pitchFamily="34" charset="-122"/>
+                  <a:ea typeface="微软雅黑" panose="020B0503020204020204" pitchFamily="34" charset="-122"/>
+                </a:rPr>
+                <a:t>作为大学生党员，更要要带头树立良好的生活作风还必须从身边的小事做起，通过日常生活中的点滴，与同学建立和睦融洽的感情，尊重他人，善待他人，常与</a:t>
+              </a:r>
+              <a:endParaRPr lang="zh-CN" altLang="en-US" sz="2000" dirty="0">
+                <a:latin typeface="微软雅黑" panose="020B0503020204020204" pitchFamily="34" charset="-122"/>
+                <a:ea typeface="微软雅黑" panose="020B0503020204020204" pitchFamily="34" charset="-122"/>
+              </a:endParaRPr>
+            </a:p>
+          </p:txBody>
+        </p:sp>
+        <p:sp>
+          <p:nvSpPr>
+            <p:cNvPr id="8" name="文本框 7"/>
+            <p:cNvSpPr txBox="1"/>
+            <p:nvPr/>
+          </p:nvSpPr>
+          <p:spPr>
+            <a:xfrm>
+              <a:off x="5428922" y="4911715"/>
+              <a:ext cx="3577844" cy="1600438"/>
+            </a:xfrm>
+            <a:prstGeom prst="rect">
+              <a:avLst/>
+            </a:prstGeom>
+            <a:noFill/>
+          </p:spPr>
+          <p:txBody>
+            <a:bodyPr wrap="square" rtlCol="0">
+              <a:spAutoFit/>
+            </a:bodyPr>
+            <a:lstStyle/>
+            <a:p>
+              <a:pPr>
+                <a:lnSpc>
+                  <a:spcPct val="200000"/>
+                </a:lnSpc>
+              </a:pPr>
+              <a:r>
+                <a:rPr lang="zh-CN" altLang="zh-CN" sz="2000" dirty="0">
+                  <a:latin typeface="微软雅黑" panose="020B0503020204020204" pitchFamily="34" charset="-122"/>
+                  <a:ea typeface="微软雅黑" panose="020B0503020204020204" pitchFamily="34" charset="-122"/>
+                </a:rPr>
+                <a:t>他人沟通，了解同学们的困难与需求，并帮助他们解决。</a:t>
+              </a:r>
+              <a:endParaRPr lang="zh-CN" altLang="en-US" sz="2000" dirty="0">
+                <a:latin typeface="微软雅黑" panose="020B0503020204020204" pitchFamily="34" charset="-122"/>
+                <a:ea typeface="微软雅黑" panose="020B0503020204020204" pitchFamily="34" charset="-122"/>
+              </a:endParaRPr>
+            </a:p>
+            <a:p>
+              <a:endParaRPr lang="zh-CN" altLang="en-US" dirty="0"/>
+            </a:p>
+          </p:txBody>
+        </p:sp>
+      </p:grpSp>
     </p:spTree>
     <p:extLst>
       <p:ext uri="{BB962C8B-B14F-4D97-AF65-F5344CB8AC3E}">
-        <p14:creationId xmlns:p14="http://schemas.microsoft.com/office/powerpoint/2010/main" val="2644014466"/>
+        <p14:creationId xmlns:p14="http://schemas.microsoft.com/office/powerpoint/2010/main" val="3018911155"/>
       </p:ext>
     </p:extLst>
   </p:cSld>
@@ -14643,7 +13426,7 @@
                                           </p:stCondLst>
                                         </p:cTn>
                                         <p:tgtEl>
-                                          <p:spTgt spid="7"/>
+                                          <p:spTgt spid="10"/>
                                         </p:tgtEl>
                                         <p:attrNameLst>
                                           <p:attrName>style.visibility</p:attrName>
@@ -14657,7 +13440,7 @@
                                       <p:cBhvr additive="base">
                                         <p:cTn id="7" dur="500" fill="hold"/>
                                         <p:tgtEl>
-                                          <p:spTgt spid="7"/>
+                                          <p:spTgt spid="10"/>
                                         </p:tgtEl>
                                         <p:attrNameLst>
                                           <p:attrName>ppt_x</p:attrName>
@@ -14680,7 +13463,7 @@
                                       <p:cBhvr additive="base">
                                         <p:cTn id="8" dur="500" fill="hold"/>
                                         <p:tgtEl>
-                                          <p:spTgt spid="7"/>
+                                          <p:spTgt spid="10"/>
                                         </p:tgtEl>
                                         <p:attrNameLst>
                                           <p:attrName>ppt_y</p:attrName>
@@ -14712,7 +13495,7 @@
                             </p:stCondLst>
                             <p:childTnLst>
                               <p:par>
-                                <p:cTn id="10" presetID="10" presetClass="entr" presetSubtype="0" fill="hold" grpId="0" nodeType="afterEffect">
+                                <p:cTn id="10" presetID="10" presetClass="entr" presetSubtype="0" fill="hold" nodeType="afterEffect">
                                   <p:stCondLst>
                                     <p:cond delay="0"/>
                                   </p:stCondLst>
@@ -14725,7 +13508,7 @@
                                           </p:stCondLst>
                                         </p:cTn>
                                         <p:tgtEl>
-                                          <p:spTgt spid="4"/>
+                                          <p:spTgt spid="9"/>
                                         </p:tgtEl>
                                         <p:attrNameLst>
                                           <p:attrName>style.visibility</p:attrName>
@@ -14739,7 +13522,7 @@
                                       <p:cBhvr>
                                         <p:cTn id="12" dur="500"/>
                                         <p:tgtEl>
-                                          <p:spTgt spid="4"/>
+                                          <p:spTgt spid="9"/>
                                         </p:tgtEl>
                                       </p:cBhvr>
                                     </p:animEffect>
@@ -14749,27 +13532,36 @@
                             </p:childTnLst>
                           </p:cTn>
                         </p:par>
+                      </p:childTnLst>
+                    </p:cTn>
+                  </p:par>
+                  <p:par>
+                    <p:cTn id="13" fill="hold">
+                      <p:stCondLst>
+                        <p:cond delay="indefinite"/>
+                      </p:stCondLst>
+                      <p:childTnLst>
                         <p:par>
-                          <p:cTn id="13" fill="hold">
+                          <p:cTn id="14" fill="hold">
                             <p:stCondLst>
-                              <p:cond delay="1000"/>
+                              <p:cond delay="0"/>
                             </p:stCondLst>
                             <p:childTnLst>
                               <p:par>
-                                <p:cTn id="14" presetID="2" presetClass="entr" presetSubtype="4" fill="hold" nodeType="afterEffect">
+                                <p:cTn id="15" presetID="2" presetClass="entr" presetSubtype="4" fill="hold" nodeType="clickEffect">
                                   <p:stCondLst>
                                     <p:cond delay="0"/>
                                   </p:stCondLst>
                                   <p:childTnLst>
                                     <p:set>
                                       <p:cBhvr>
-                                        <p:cTn id="15" dur="1" fill="hold">
+                                        <p:cTn id="16" dur="1" fill="hold">
                                           <p:stCondLst>
                                             <p:cond delay="0"/>
                                           </p:stCondLst>
                                         </p:cTn>
                                         <p:tgtEl>
-                                          <p:spTgt spid="5"/>
+                                          <p:spTgt spid="7"/>
                                         </p:tgtEl>
                                         <p:attrNameLst>
                                           <p:attrName>style.visibility</p:attrName>
@@ -14781,9 +13573,9 @@
                                     </p:set>
                                     <p:anim calcmode="lin" valueType="num">
                                       <p:cBhvr additive="base">
-                                        <p:cTn id="16" dur="500" fill="hold"/>
+                                        <p:cTn id="17" dur="500" fill="hold"/>
                                         <p:tgtEl>
-                                          <p:spTgt spid="5"/>
+                                          <p:spTgt spid="7"/>
                                         </p:tgtEl>
                                         <p:attrNameLst>
                                           <p:attrName>ppt_x</p:attrName>
@@ -14804,82 +13596,9 @@
                                     </p:anim>
                                     <p:anim calcmode="lin" valueType="num">
                                       <p:cBhvr additive="base">
-                                        <p:cTn id="17" dur="500" fill="hold"/>
+                                        <p:cTn id="18" dur="500" fill="hold"/>
                                         <p:tgtEl>
-                                          <p:spTgt spid="5"/>
-                                        </p:tgtEl>
-                                        <p:attrNameLst>
-                                          <p:attrName>ppt_y</p:attrName>
-                                        </p:attrNameLst>
-                                      </p:cBhvr>
-                                      <p:tavLst>
-                                        <p:tav tm="0">
-                                          <p:val>
-                                            <p:strVal val="1+#ppt_h/2"/>
-                                          </p:val>
-                                        </p:tav>
-                                        <p:tav tm="100000">
-                                          <p:val>
-                                            <p:strVal val="#ppt_y"/>
-                                          </p:val>
-                                        </p:tav>
-                                      </p:tavLst>
-                                    </p:anim>
-                                  </p:childTnLst>
-                                </p:cTn>
-                              </p:par>
-                              <p:par>
-                                <p:cTn id="18" presetID="2" presetClass="entr" presetSubtype="4" fill="hold" nodeType="withEffect">
-                                  <p:stCondLst>
-                                    <p:cond delay="0"/>
-                                  </p:stCondLst>
-                                  <p:childTnLst>
-                                    <p:set>
-                                      <p:cBhvr>
-                                        <p:cTn id="19" dur="1" fill="hold">
-                                          <p:stCondLst>
-                                            <p:cond delay="0"/>
-                                          </p:stCondLst>
-                                        </p:cTn>
-                                        <p:tgtEl>
-                                          <p:spTgt spid="6"/>
-                                        </p:tgtEl>
-                                        <p:attrNameLst>
-                                          <p:attrName>style.visibility</p:attrName>
-                                        </p:attrNameLst>
-                                      </p:cBhvr>
-                                      <p:to>
-                                        <p:strVal val="visible"/>
-                                      </p:to>
-                                    </p:set>
-                                    <p:anim calcmode="lin" valueType="num">
-                                      <p:cBhvr additive="base">
-                                        <p:cTn id="20" dur="500" fill="hold"/>
-                                        <p:tgtEl>
-                                          <p:spTgt spid="6"/>
-                                        </p:tgtEl>
-                                        <p:attrNameLst>
-                                          <p:attrName>ppt_x</p:attrName>
-                                        </p:attrNameLst>
-                                      </p:cBhvr>
-                                      <p:tavLst>
-                                        <p:tav tm="0">
-                                          <p:val>
-                                            <p:strVal val="#ppt_x"/>
-                                          </p:val>
-                                        </p:tav>
-                                        <p:tav tm="100000">
-                                          <p:val>
-                                            <p:strVal val="#ppt_x"/>
-                                          </p:val>
-                                        </p:tav>
-                                      </p:tavLst>
-                                    </p:anim>
-                                    <p:anim calcmode="lin" valueType="num">
-                                      <p:cBhvr additive="base">
-                                        <p:cTn id="21" dur="500" fill="hold"/>
-                                        <p:tgtEl>
-                                          <p:spTgt spid="6"/>
+                                          <p:spTgt spid="7"/>
                                         </p:tgtEl>
                                         <p:attrNameLst>
                                           <p:attrName>ppt_y</p:attrName>
@@ -14928,9 +13647,6 @@
         </p:cTn>
       </p:par>
     </p:tnLst>
-    <p:bldLst>
-      <p:bldP spid="4" grpId="0"/>
-    </p:bldLst>
   </p:timing>
 </p:sld>
 </file>
